--- a/前端性能.pptx
+++ b/前端性能.pptx
@@ -270,7 +270,7 @@
           <a:p>
             <a:fld id="{07BC0F4A-C851-4078-B1B9-0E453F007FCE}" type="datetimeFigureOut">
               <a:rPr lang="zh-CN" altLang="en-US" smtClean="0"/>
-              <a:t>2020/5/27</a:t>
+              <a:t>2020/6/5</a:t>
             </a:fld>
             <a:endParaRPr lang="zh-CN" altLang="en-US"/>
           </a:p>
@@ -468,7 +468,7 @@
           <a:p>
             <a:fld id="{07BC0F4A-C851-4078-B1B9-0E453F007FCE}" type="datetimeFigureOut">
               <a:rPr lang="zh-CN" altLang="en-US" smtClean="0"/>
-              <a:t>2020/5/27</a:t>
+              <a:t>2020/6/5</a:t>
             </a:fld>
             <a:endParaRPr lang="zh-CN" altLang="en-US"/>
           </a:p>
@@ -676,7 +676,7 @@
           <a:p>
             <a:fld id="{07BC0F4A-C851-4078-B1B9-0E453F007FCE}" type="datetimeFigureOut">
               <a:rPr lang="zh-CN" altLang="en-US" smtClean="0"/>
-              <a:t>2020/5/27</a:t>
+              <a:t>2020/6/5</a:t>
             </a:fld>
             <a:endParaRPr lang="zh-CN" altLang="en-US"/>
           </a:p>
@@ -874,7 +874,7 @@
           <a:p>
             <a:fld id="{07BC0F4A-C851-4078-B1B9-0E453F007FCE}" type="datetimeFigureOut">
               <a:rPr lang="zh-CN" altLang="en-US" smtClean="0"/>
-              <a:t>2020/5/27</a:t>
+              <a:t>2020/6/5</a:t>
             </a:fld>
             <a:endParaRPr lang="zh-CN" altLang="en-US"/>
           </a:p>
@@ -1149,7 +1149,7 @@
           <a:p>
             <a:fld id="{07BC0F4A-C851-4078-B1B9-0E453F007FCE}" type="datetimeFigureOut">
               <a:rPr lang="zh-CN" altLang="en-US" smtClean="0"/>
-              <a:t>2020/5/27</a:t>
+              <a:t>2020/6/5</a:t>
             </a:fld>
             <a:endParaRPr lang="zh-CN" altLang="en-US"/>
           </a:p>
@@ -1414,7 +1414,7 @@
           <a:p>
             <a:fld id="{07BC0F4A-C851-4078-B1B9-0E453F007FCE}" type="datetimeFigureOut">
               <a:rPr lang="zh-CN" altLang="en-US" smtClean="0"/>
-              <a:t>2020/5/27</a:t>
+              <a:t>2020/6/5</a:t>
             </a:fld>
             <a:endParaRPr lang="zh-CN" altLang="en-US"/>
           </a:p>
@@ -1826,7 +1826,7 @@
           <a:p>
             <a:fld id="{07BC0F4A-C851-4078-B1B9-0E453F007FCE}" type="datetimeFigureOut">
               <a:rPr lang="zh-CN" altLang="en-US" smtClean="0"/>
-              <a:t>2020/5/27</a:t>
+              <a:t>2020/6/5</a:t>
             </a:fld>
             <a:endParaRPr lang="zh-CN" altLang="en-US"/>
           </a:p>
@@ -1967,7 +1967,7 @@
           <a:p>
             <a:fld id="{07BC0F4A-C851-4078-B1B9-0E453F007FCE}" type="datetimeFigureOut">
               <a:rPr lang="zh-CN" altLang="en-US" smtClean="0"/>
-              <a:t>2020/5/27</a:t>
+              <a:t>2020/6/5</a:t>
             </a:fld>
             <a:endParaRPr lang="zh-CN" altLang="en-US"/>
           </a:p>
@@ -2080,7 +2080,7 @@
           <a:p>
             <a:fld id="{07BC0F4A-C851-4078-B1B9-0E453F007FCE}" type="datetimeFigureOut">
               <a:rPr lang="zh-CN" altLang="en-US" smtClean="0"/>
-              <a:t>2020/5/27</a:t>
+              <a:t>2020/6/5</a:t>
             </a:fld>
             <a:endParaRPr lang="zh-CN" altLang="en-US"/>
           </a:p>
@@ -2391,7 +2391,7 @@
           <a:p>
             <a:fld id="{07BC0F4A-C851-4078-B1B9-0E453F007FCE}" type="datetimeFigureOut">
               <a:rPr lang="zh-CN" altLang="en-US" smtClean="0"/>
-              <a:t>2020/5/27</a:t>
+              <a:t>2020/6/5</a:t>
             </a:fld>
             <a:endParaRPr lang="zh-CN" altLang="en-US"/>
           </a:p>
@@ -2679,7 +2679,7 @@
           <a:p>
             <a:fld id="{07BC0F4A-C851-4078-B1B9-0E453F007FCE}" type="datetimeFigureOut">
               <a:rPr lang="zh-CN" altLang="en-US" smtClean="0"/>
-              <a:t>2020/5/27</a:t>
+              <a:t>2020/6/5</a:t>
             </a:fld>
             <a:endParaRPr lang="zh-CN" altLang="en-US"/>
           </a:p>
@@ -2920,7 +2920,7 @@
           <a:p>
             <a:fld id="{07BC0F4A-C851-4078-B1B9-0E453F007FCE}" type="datetimeFigureOut">
               <a:rPr lang="zh-CN" altLang="en-US" smtClean="0"/>
-              <a:t>2020/5/27</a:t>
+              <a:t>2020/6/5</a:t>
             </a:fld>
             <a:endParaRPr lang="zh-CN" altLang="en-US"/>
           </a:p>
@@ -5891,7 +5891,7 @@
         </p:blipFill>
         <p:spPr bwMode="auto">
           <a:xfrm>
-            <a:off x="5843588" y="393700"/>
+            <a:off x="5843588" y="355600"/>
             <a:ext cx="5667375" cy="5715000"/>
           </a:xfrm>
           <a:prstGeom prst="rect">
@@ -5923,7 +5923,7 @@
         </p:nvSpPr>
         <p:spPr>
           <a:xfrm>
-            <a:off x="304800" y="2114550"/>
+            <a:off x="304800" y="2152650"/>
             <a:ext cx="4362451" cy="2554545"/>
           </a:xfrm>
           <a:prstGeom prst="rect">
@@ -5968,6 +5968,43 @@
               <a:t>LFU</a:t>
             </a:r>
             <a:endParaRPr lang="zh-CN" altLang="en-US" sz="3200" dirty="0"/>
+          </a:p>
+        </p:txBody>
+      </p:sp>
+      <p:sp>
+        <p:nvSpPr>
+          <p:cNvPr id="3" name="矩形 2">
+            <a:extLst>
+              <a:ext uri="{FF2B5EF4-FFF2-40B4-BE49-F238E27FC236}">
+                <a16:creationId xmlns:a16="http://schemas.microsoft.com/office/drawing/2014/main" id="{594E5C50-1636-4DD7-B1A4-EC34AB9E7B89}"/>
+              </a:ext>
+            </a:extLst>
+          </p:cNvPr>
+          <p:cNvSpPr/>
+          <p:nvPr/>
+        </p:nvSpPr>
+        <p:spPr>
+          <a:xfrm>
+            <a:off x="304800" y="6279634"/>
+            <a:ext cx="6623468" cy="369332"/>
+          </a:xfrm>
+          <a:prstGeom prst="rect">
+            <a:avLst/>
+          </a:prstGeom>
+        </p:spPr>
+        <p:txBody>
+          <a:bodyPr wrap="square">
+            <a:spAutoFit/>
+          </a:bodyPr>
+          <a:lstStyle/>
+          <a:p>
+            <a:r>
+              <a:rPr lang="en-US" altLang="zh-CN" dirty="0">
+                <a:hlinkClick r:id="rId3"/>
+              </a:rPr>
+              <a:t>https://jsperf.com/string-repeat2/2</a:t>
+            </a:r>
+            <a:endParaRPr lang="zh-CN" altLang="en-US" dirty="0"/>
           </a:p>
         </p:txBody>
       </p:sp>

--- a/前端性能.pptx
+++ b/前端性能.pptx
@@ -1,22 +1,22 @@
 
 <file path=ppt/presentation.xml><?xml version="1.0" encoding="utf-8"?>
-<p:presentation xmlns:a="http://schemas.openxmlformats.org/drawingml/2006/main" xmlns:r="http://schemas.openxmlformats.org/officeDocument/2006/relationships" xmlns:p="http://schemas.openxmlformats.org/presentationml/2006/main" saveSubsetFonts="1">
+<p:presentation xmlns:a="http://schemas.openxmlformats.org/drawingml/2006/main" xmlns:r="http://schemas.openxmlformats.org/officeDocument/2006/relationships" xmlns:p="http://schemas.openxmlformats.org/presentationml/2006/main">
   <p:sldMasterIdLst>
     <p:sldMasterId id="2147483648" r:id="rId1"/>
   </p:sldMasterIdLst>
   <p:sldIdLst>
-    <p:sldId id="256" r:id="rId2"/>
-    <p:sldId id="257" r:id="rId3"/>
-    <p:sldId id="258" r:id="rId4"/>
-    <p:sldId id="259" r:id="rId5"/>
-    <p:sldId id="267" r:id="rId6"/>
-    <p:sldId id="264" r:id="rId7"/>
-    <p:sldId id="265" r:id="rId8"/>
-    <p:sldId id="260" r:id="rId9"/>
-    <p:sldId id="261" r:id="rId10"/>
-    <p:sldId id="262" r:id="rId11"/>
-    <p:sldId id="263" r:id="rId12"/>
-    <p:sldId id="266" r:id="rId13"/>
+    <p:sldId id="256" r:id="rId3"/>
+    <p:sldId id="257" r:id="rId4"/>
+    <p:sldId id="258" r:id="rId5"/>
+    <p:sldId id="259" r:id="rId6"/>
+    <p:sldId id="267" r:id="rId7"/>
+    <p:sldId id="264" r:id="rId8"/>
+    <p:sldId id="265" r:id="rId9"/>
+    <p:sldId id="260" r:id="rId10"/>
+    <p:sldId id="261" r:id="rId11"/>
+    <p:sldId id="262" r:id="rId12"/>
+    <p:sldId id="263" r:id="rId13"/>
+    <p:sldId id="266" r:id="rId14"/>
   </p:sldIdLst>
   <p:sldSz cx="12192000" cy="6858000"/>
   <p:notesSz cx="6858000" cy="9144000"/>
@@ -115,11 +115,6 @@
       </a:defRPr>
     </a:lvl9pPr>
   </p:defaultTextStyle>
-  <p:extLst>
-    <p:ext uri="{EFAFB233-063F-42B5-8137-9DF3F51BA10A}">
-      <p15:sldGuideLst xmlns:p15="http://schemas.microsoft.com/office/powerpoint/2012/main"/>
-    </p:ext>
-  </p:extLst>
 </p:presentation>
 </file>
 
@@ -142,13 +137,7 @@
       </p:grpSpPr>
       <p:sp>
         <p:nvSpPr>
-          <p:cNvPr id="2" name="标题 1">
-            <a:extLst>
-              <a:ext uri="{FF2B5EF4-FFF2-40B4-BE49-F238E27FC236}">
-                <a16:creationId xmlns:a16="http://schemas.microsoft.com/office/drawing/2014/main" id="{F3E7B133-521F-48DD-9E03-5BC214238331}"/>
-              </a:ext>
-            </a:extLst>
-          </p:cNvPr>
+          <p:cNvPr id="2" name="标题 1"/>
           <p:cNvSpPr>
             <a:spLocks noGrp="1"/>
           </p:cNvSpPr>
@@ -174,18 +163,13 @@
               <a:rPr lang="zh-CN" altLang="en-US"/>
               <a:t>单击此处编辑母版标题样式</a:t>
             </a:r>
-          </a:p>
-        </p:txBody>
-      </p:sp>
-      <p:sp>
-        <p:nvSpPr>
-          <p:cNvPr id="3" name="副标题 2">
-            <a:extLst>
-              <a:ext uri="{FF2B5EF4-FFF2-40B4-BE49-F238E27FC236}">
-                <a16:creationId xmlns:a16="http://schemas.microsoft.com/office/drawing/2014/main" id="{125BC2A2-1DA8-4ADF-AB3B-9E4D823DD0B6}"/>
-              </a:ext>
-            </a:extLst>
-          </p:cNvPr>
+            <a:endParaRPr lang="zh-CN" altLang="en-US"/>
+          </a:p>
+        </p:txBody>
+      </p:sp>
+      <p:sp>
+        <p:nvSpPr>
+          <p:cNvPr id="3" name="副标题 2"/>
           <p:cNvSpPr>
             <a:spLocks noGrp="1"/>
           </p:cNvSpPr>
@@ -244,18 +228,13 @@
               <a:rPr lang="zh-CN" altLang="en-US"/>
               <a:t>单击此处编辑母版副标题样式</a:t>
             </a:r>
-          </a:p>
-        </p:txBody>
-      </p:sp>
-      <p:sp>
-        <p:nvSpPr>
-          <p:cNvPr id="4" name="日期占位符 3">
-            <a:extLst>
-              <a:ext uri="{FF2B5EF4-FFF2-40B4-BE49-F238E27FC236}">
-                <a16:creationId xmlns:a16="http://schemas.microsoft.com/office/drawing/2014/main" id="{81E9150F-9B33-4A0A-95E7-3123E81E1B0E}"/>
-              </a:ext>
-            </a:extLst>
-          </p:cNvPr>
+            <a:endParaRPr lang="zh-CN" altLang="en-US"/>
+          </a:p>
+        </p:txBody>
+      </p:sp>
+      <p:sp>
+        <p:nvSpPr>
+          <p:cNvPr id="4" name="日期占位符 3"/>
           <p:cNvSpPr>
             <a:spLocks noGrp="1"/>
           </p:cNvSpPr>
@@ -270,7 +249,6 @@
           <a:p>
             <a:fld id="{07BC0F4A-C851-4078-B1B9-0E453F007FCE}" type="datetimeFigureOut">
               <a:rPr lang="zh-CN" altLang="en-US" smtClean="0"/>
-              <a:t>2020/6/5</a:t>
             </a:fld>
             <a:endParaRPr lang="zh-CN" altLang="en-US"/>
           </a:p>
@@ -278,13 +256,7 @@
       </p:sp>
       <p:sp>
         <p:nvSpPr>
-          <p:cNvPr id="5" name="页脚占位符 4">
-            <a:extLst>
-              <a:ext uri="{FF2B5EF4-FFF2-40B4-BE49-F238E27FC236}">
-                <a16:creationId xmlns:a16="http://schemas.microsoft.com/office/drawing/2014/main" id="{633C1CFB-0E92-4838-B2BB-F43056ABC25C}"/>
-              </a:ext>
-            </a:extLst>
-          </p:cNvPr>
+          <p:cNvPr id="5" name="页脚占位符 4"/>
           <p:cNvSpPr>
             <a:spLocks noGrp="1"/>
           </p:cNvSpPr>
@@ -303,13 +275,7 @@
       </p:sp>
       <p:sp>
         <p:nvSpPr>
-          <p:cNvPr id="6" name="灯片编号占位符 5">
-            <a:extLst>
-              <a:ext uri="{FF2B5EF4-FFF2-40B4-BE49-F238E27FC236}">
-                <a16:creationId xmlns:a16="http://schemas.microsoft.com/office/drawing/2014/main" id="{9563ADAC-0016-4B76-BCF3-D15DE6A0306A}"/>
-              </a:ext>
-            </a:extLst>
-          </p:cNvPr>
+          <p:cNvPr id="6" name="灯片编号占位符 5"/>
           <p:cNvSpPr>
             <a:spLocks noGrp="1"/>
           </p:cNvSpPr>
@@ -324,18 +290,12 @@
           <a:p>
             <a:fld id="{CE29180E-2B15-4422-8464-9ED372F127D7}" type="slidenum">
               <a:rPr lang="zh-CN" altLang="en-US" smtClean="0"/>
-              <a:t>‹#›</a:t>
             </a:fld>
             <a:endParaRPr lang="zh-CN" altLang="en-US"/>
           </a:p>
         </p:txBody>
       </p:sp>
     </p:spTree>
-    <p:extLst>
-      <p:ext uri="{BB962C8B-B14F-4D97-AF65-F5344CB8AC3E}">
-        <p14:creationId xmlns:p14="http://schemas.microsoft.com/office/powerpoint/2010/main" val="2049125750"/>
-      </p:ext>
-    </p:extLst>
   </p:cSld>
   <p:clrMapOvr>
     <a:masterClrMapping/>
@@ -362,13 +322,7 @@
       </p:grpSpPr>
       <p:sp>
         <p:nvSpPr>
-          <p:cNvPr id="2" name="标题 1">
-            <a:extLst>
-              <a:ext uri="{FF2B5EF4-FFF2-40B4-BE49-F238E27FC236}">
-                <a16:creationId xmlns:a16="http://schemas.microsoft.com/office/drawing/2014/main" id="{EAE067E4-00E9-4CD8-8733-EAFCA5C3B180}"/>
-              </a:ext>
-            </a:extLst>
-          </p:cNvPr>
+          <p:cNvPr id="2" name="标题 1"/>
           <p:cNvSpPr>
             <a:spLocks noGrp="1"/>
           </p:cNvSpPr>
@@ -385,18 +339,13 @@
               <a:rPr lang="zh-CN" altLang="en-US"/>
               <a:t>单击此处编辑母版标题样式</a:t>
             </a:r>
-          </a:p>
-        </p:txBody>
-      </p:sp>
-      <p:sp>
-        <p:nvSpPr>
-          <p:cNvPr id="3" name="竖排文字占位符 2">
-            <a:extLst>
-              <a:ext uri="{FF2B5EF4-FFF2-40B4-BE49-F238E27FC236}">
-                <a16:creationId xmlns:a16="http://schemas.microsoft.com/office/drawing/2014/main" id="{3121C120-ABF1-4679-93E1-192D99D1E24D}"/>
-              </a:ext>
-            </a:extLst>
-          </p:cNvPr>
+            <a:endParaRPr lang="zh-CN" altLang="en-US"/>
+          </a:p>
+        </p:txBody>
+      </p:sp>
+      <p:sp>
+        <p:nvSpPr>
+          <p:cNvPr id="3" name="竖排文字占位符 2"/>
           <p:cNvSpPr>
             <a:spLocks noGrp="1"/>
           </p:cNvSpPr>
@@ -414,6 +363,7 @@
               <a:rPr lang="zh-CN" altLang="en-US"/>
               <a:t>单击此处编辑母版文本样式</a:t>
             </a:r>
+            <a:endParaRPr lang="zh-CN" altLang="en-US"/>
           </a:p>
           <a:p>
             <a:pPr lvl="1"/>
@@ -421,6 +371,7 @@
               <a:rPr lang="zh-CN" altLang="en-US"/>
               <a:t>二级</a:t>
             </a:r>
+            <a:endParaRPr lang="zh-CN" altLang="en-US"/>
           </a:p>
           <a:p>
             <a:pPr lvl="2"/>
@@ -428,6 +379,7 @@
               <a:rPr lang="zh-CN" altLang="en-US"/>
               <a:t>三级</a:t>
             </a:r>
+            <a:endParaRPr lang="zh-CN" altLang="en-US"/>
           </a:p>
           <a:p>
             <a:pPr lvl="3"/>
@@ -435,6 +387,7 @@
               <a:rPr lang="zh-CN" altLang="en-US"/>
               <a:t>四级</a:t>
             </a:r>
+            <a:endParaRPr lang="zh-CN" altLang="en-US"/>
           </a:p>
           <a:p>
             <a:pPr lvl="4"/>
@@ -442,18 +395,13 @@
               <a:rPr lang="zh-CN" altLang="en-US"/>
               <a:t>五级</a:t>
             </a:r>
-          </a:p>
-        </p:txBody>
-      </p:sp>
-      <p:sp>
-        <p:nvSpPr>
-          <p:cNvPr id="4" name="日期占位符 3">
-            <a:extLst>
-              <a:ext uri="{FF2B5EF4-FFF2-40B4-BE49-F238E27FC236}">
-                <a16:creationId xmlns:a16="http://schemas.microsoft.com/office/drawing/2014/main" id="{E9A8E1EC-E03F-4621-AFF0-97A77D4555D8}"/>
-              </a:ext>
-            </a:extLst>
-          </p:cNvPr>
+            <a:endParaRPr lang="zh-CN" altLang="en-US"/>
+          </a:p>
+        </p:txBody>
+      </p:sp>
+      <p:sp>
+        <p:nvSpPr>
+          <p:cNvPr id="4" name="日期占位符 3"/>
           <p:cNvSpPr>
             <a:spLocks noGrp="1"/>
           </p:cNvSpPr>
@@ -468,7 +416,6 @@
           <a:p>
             <a:fld id="{07BC0F4A-C851-4078-B1B9-0E453F007FCE}" type="datetimeFigureOut">
               <a:rPr lang="zh-CN" altLang="en-US" smtClean="0"/>
-              <a:t>2020/6/5</a:t>
             </a:fld>
             <a:endParaRPr lang="zh-CN" altLang="en-US"/>
           </a:p>
@@ -476,13 +423,7 @@
       </p:sp>
       <p:sp>
         <p:nvSpPr>
-          <p:cNvPr id="5" name="页脚占位符 4">
-            <a:extLst>
-              <a:ext uri="{FF2B5EF4-FFF2-40B4-BE49-F238E27FC236}">
-                <a16:creationId xmlns:a16="http://schemas.microsoft.com/office/drawing/2014/main" id="{46ED4EE4-4B8E-4B54-81AA-7132335421A0}"/>
-              </a:ext>
-            </a:extLst>
-          </p:cNvPr>
+          <p:cNvPr id="5" name="页脚占位符 4"/>
           <p:cNvSpPr>
             <a:spLocks noGrp="1"/>
           </p:cNvSpPr>
@@ -501,13 +442,7 @@
       </p:sp>
       <p:sp>
         <p:nvSpPr>
-          <p:cNvPr id="6" name="灯片编号占位符 5">
-            <a:extLst>
-              <a:ext uri="{FF2B5EF4-FFF2-40B4-BE49-F238E27FC236}">
-                <a16:creationId xmlns:a16="http://schemas.microsoft.com/office/drawing/2014/main" id="{3FFD7C33-8057-4CD4-9B2B-AE41C3E0B2B4}"/>
-              </a:ext>
-            </a:extLst>
-          </p:cNvPr>
+          <p:cNvPr id="6" name="灯片编号占位符 5"/>
           <p:cNvSpPr>
             <a:spLocks noGrp="1"/>
           </p:cNvSpPr>
@@ -522,18 +457,12 @@
           <a:p>
             <a:fld id="{CE29180E-2B15-4422-8464-9ED372F127D7}" type="slidenum">
               <a:rPr lang="zh-CN" altLang="en-US" smtClean="0"/>
-              <a:t>‹#›</a:t>
             </a:fld>
             <a:endParaRPr lang="zh-CN" altLang="en-US"/>
           </a:p>
         </p:txBody>
       </p:sp>
     </p:spTree>
-    <p:extLst>
-      <p:ext uri="{BB962C8B-B14F-4D97-AF65-F5344CB8AC3E}">
-        <p14:creationId xmlns:p14="http://schemas.microsoft.com/office/powerpoint/2010/main" val="4204088665"/>
-      </p:ext>
-    </p:extLst>
   </p:cSld>
   <p:clrMapOvr>
     <a:masterClrMapping/>
@@ -560,13 +489,7 @@
       </p:grpSpPr>
       <p:sp>
         <p:nvSpPr>
-          <p:cNvPr id="2" name="竖排标题 1">
-            <a:extLst>
-              <a:ext uri="{FF2B5EF4-FFF2-40B4-BE49-F238E27FC236}">
-                <a16:creationId xmlns:a16="http://schemas.microsoft.com/office/drawing/2014/main" id="{F7F6EE29-3524-44FC-A1A0-E0A14A9995FE}"/>
-              </a:ext>
-            </a:extLst>
-          </p:cNvPr>
+          <p:cNvPr id="2" name="竖排标题 1"/>
           <p:cNvSpPr>
             <a:spLocks noGrp="1"/>
           </p:cNvSpPr>
@@ -588,18 +511,13 @@
               <a:rPr lang="zh-CN" altLang="en-US"/>
               <a:t>单击此处编辑母版标题样式</a:t>
             </a:r>
-          </a:p>
-        </p:txBody>
-      </p:sp>
-      <p:sp>
-        <p:nvSpPr>
-          <p:cNvPr id="3" name="竖排文字占位符 2">
-            <a:extLst>
-              <a:ext uri="{FF2B5EF4-FFF2-40B4-BE49-F238E27FC236}">
-                <a16:creationId xmlns:a16="http://schemas.microsoft.com/office/drawing/2014/main" id="{3826B06D-C694-4D4F-A970-0298CE40ABB2}"/>
-              </a:ext>
-            </a:extLst>
-          </p:cNvPr>
+            <a:endParaRPr lang="zh-CN" altLang="en-US"/>
+          </a:p>
+        </p:txBody>
+      </p:sp>
+      <p:sp>
+        <p:nvSpPr>
+          <p:cNvPr id="3" name="竖排文字占位符 2"/>
           <p:cNvSpPr>
             <a:spLocks noGrp="1"/>
           </p:cNvSpPr>
@@ -622,6 +540,7 @@
               <a:rPr lang="zh-CN" altLang="en-US"/>
               <a:t>单击此处编辑母版文本样式</a:t>
             </a:r>
+            <a:endParaRPr lang="zh-CN" altLang="en-US"/>
           </a:p>
           <a:p>
             <a:pPr lvl="1"/>
@@ -629,6 +548,7 @@
               <a:rPr lang="zh-CN" altLang="en-US"/>
               <a:t>二级</a:t>
             </a:r>
+            <a:endParaRPr lang="zh-CN" altLang="en-US"/>
           </a:p>
           <a:p>
             <a:pPr lvl="2"/>
@@ -636,6 +556,7 @@
               <a:rPr lang="zh-CN" altLang="en-US"/>
               <a:t>三级</a:t>
             </a:r>
+            <a:endParaRPr lang="zh-CN" altLang="en-US"/>
           </a:p>
           <a:p>
             <a:pPr lvl="3"/>
@@ -643,6 +564,7 @@
               <a:rPr lang="zh-CN" altLang="en-US"/>
               <a:t>四级</a:t>
             </a:r>
+            <a:endParaRPr lang="zh-CN" altLang="en-US"/>
           </a:p>
           <a:p>
             <a:pPr lvl="4"/>
@@ -650,18 +572,13 @@
               <a:rPr lang="zh-CN" altLang="en-US"/>
               <a:t>五级</a:t>
             </a:r>
-          </a:p>
-        </p:txBody>
-      </p:sp>
-      <p:sp>
-        <p:nvSpPr>
-          <p:cNvPr id="4" name="日期占位符 3">
-            <a:extLst>
-              <a:ext uri="{FF2B5EF4-FFF2-40B4-BE49-F238E27FC236}">
-                <a16:creationId xmlns:a16="http://schemas.microsoft.com/office/drawing/2014/main" id="{A08AEFEC-2DCC-4325-9B3F-95678F8C4C13}"/>
-              </a:ext>
-            </a:extLst>
-          </p:cNvPr>
+            <a:endParaRPr lang="zh-CN" altLang="en-US"/>
+          </a:p>
+        </p:txBody>
+      </p:sp>
+      <p:sp>
+        <p:nvSpPr>
+          <p:cNvPr id="4" name="日期占位符 3"/>
           <p:cNvSpPr>
             <a:spLocks noGrp="1"/>
           </p:cNvSpPr>
@@ -676,7 +593,6 @@
           <a:p>
             <a:fld id="{07BC0F4A-C851-4078-B1B9-0E453F007FCE}" type="datetimeFigureOut">
               <a:rPr lang="zh-CN" altLang="en-US" smtClean="0"/>
-              <a:t>2020/6/5</a:t>
             </a:fld>
             <a:endParaRPr lang="zh-CN" altLang="en-US"/>
           </a:p>
@@ -684,13 +600,7 @@
       </p:sp>
       <p:sp>
         <p:nvSpPr>
-          <p:cNvPr id="5" name="页脚占位符 4">
-            <a:extLst>
-              <a:ext uri="{FF2B5EF4-FFF2-40B4-BE49-F238E27FC236}">
-                <a16:creationId xmlns:a16="http://schemas.microsoft.com/office/drawing/2014/main" id="{2BBCF928-FF87-4C9B-907B-358A4824DF06}"/>
-              </a:ext>
-            </a:extLst>
-          </p:cNvPr>
+          <p:cNvPr id="5" name="页脚占位符 4"/>
           <p:cNvSpPr>
             <a:spLocks noGrp="1"/>
           </p:cNvSpPr>
@@ -709,13 +619,7 @@
       </p:sp>
       <p:sp>
         <p:nvSpPr>
-          <p:cNvPr id="6" name="灯片编号占位符 5">
-            <a:extLst>
-              <a:ext uri="{FF2B5EF4-FFF2-40B4-BE49-F238E27FC236}">
-                <a16:creationId xmlns:a16="http://schemas.microsoft.com/office/drawing/2014/main" id="{22BF0336-D318-4FD6-AB54-A035EE720507}"/>
-              </a:ext>
-            </a:extLst>
-          </p:cNvPr>
+          <p:cNvPr id="6" name="灯片编号占位符 5"/>
           <p:cNvSpPr>
             <a:spLocks noGrp="1"/>
           </p:cNvSpPr>
@@ -730,18 +634,12 @@
           <a:p>
             <a:fld id="{CE29180E-2B15-4422-8464-9ED372F127D7}" type="slidenum">
               <a:rPr lang="zh-CN" altLang="en-US" smtClean="0"/>
-              <a:t>‹#›</a:t>
             </a:fld>
             <a:endParaRPr lang="zh-CN" altLang="en-US"/>
           </a:p>
         </p:txBody>
       </p:sp>
     </p:spTree>
-    <p:extLst>
-      <p:ext uri="{BB962C8B-B14F-4D97-AF65-F5344CB8AC3E}">
-        <p14:creationId xmlns:p14="http://schemas.microsoft.com/office/powerpoint/2010/main" val="1324302481"/>
-      </p:ext>
-    </p:extLst>
   </p:cSld>
   <p:clrMapOvr>
     <a:masterClrMapping/>
@@ -768,13 +666,7 @@
       </p:grpSpPr>
       <p:sp>
         <p:nvSpPr>
-          <p:cNvPr id="2" name="标题 1">
-            <a:extLst>
-              <a:ext uri="{FF2B5EF4-FFF2-40B4-BE49-F238E27FC236}">
-                <a16:creationId xmlns:a16="http://schemas.microsoft.com/office/drawing/2014/main" id="{DB03365E-483F-463F-8D16-11B45E83A699}"/>
-              </a:ext>
-            </a:extLst>
-          </p:cNvPr>
+          <p:cNvPr id="2" name="标题 1"/>
           <p:cNvSpPr>
             <a:spLocks noGrp="1"/>
           </p:cNvSpPr>
@@ -791,18 +683,13 @@
               <a:rPr lang="zh-CN" altLang="en-US"/>
               <a:t>单击此处编辑母版标题样式</a:t>
             </a:r>
-          </a:p>
-        </p:txBody>
-      </p:sp>
-      <p:sp>
-        <p:nvSpPr>
-          <p:cNvPr id="3" name="内容占位符 2">
-            <a:extLst>
-              <a:ext uri="{FF2B5EF4-FFF2-40B4-BE49-F238E27FC236}">
-                <a16:creationId xmlns:a16="http://schemas.microsoft.com/office/drawing/2014/main" id="{D7262959-AA8D-45C0-8F3B-A7FB80CB8E94}"/>
-              </a:ext>
-            </a:extLst>
-          </p:cNvPr>
+            <a:endParaRPr lang="zh-CN" altLang="en-US"/>
+          </a:p>
+        </p:txBody>
+      </p:sp>
+      <p:sp>
+        <p:nvSpPr>
+          <p:cNvPr id="3" name="内容占位符 2"/>
           <p:cNvSpPr>
             <a:spLocks noGrp="1"/>
           </p:cNvSpPr>
@@ -820,6 +707,7 @@
               <a:rPr lang="zh-CN" altLang="en-US"/>
               <a:t>单击此处编辑母版文本样式</a:t>
             </a:r>
+            <a:endParaRPr lang="zh-CN" altLang="en-US"/>
           </a:p>
           <a:p>
             <a:pPr lvl="1"/>
@@ -827,6 +715,7 @@
               <a:rPr lang="zh-CN" altLang="en-US"/>
               <a:t>二级</a:t>
             </a:r>
+            <a:endParaRPr lang="zh-CN" altLang="en-US"/>
           </a:p>
           <a:p>
             <a:pPr lvl="2"/>
@@ -834,6 +723,7 @@
               <a:rPr lang="zh-CN" altLang="en-US"/>
               <a:t>三级</a:t>
             </a:r>
+            <a:endParaRPr lang="zh-CN" altLang="en-US"/>
           </a:p>
           <a:p>
             <a:pPr lvl="3"/>
@@ -841,6 +731,7 @@
               <a:rPr lang="zh-CN" altLang="en-US"/>
               <a:t>四级</a:t>
             </a:r>
+            <a:endParaRPr lang="zh-CN" altLang="en-US"/>
           </a:p>
           <a:p>
             <a:pPr lvl="4"/>
@@ -848,18 +739,13 @@
               <a:rPr lang="zh-CN" altLang="en-US"/>
               <a:t>五级</a:t>
             </a:r>
-          </a:p>
-        </p:txBody>
-      </p:sp>
-      <p:sp>
-        <p:nvSpPr>
-          <p:cNvPr id="4" name="日期占位符 3">
-            <a:extLst>
-              <a:ext uri="{FF2B5EF4-FFF2-40B4-BE49-F238E27FC236}">
-                <a16:creationId xmlns:a16="http://schemas.microsoft.com/office/drawing/2014/main" id="{539D64F4-4504-439E-8B23-896C93952A1D}"/>
-              </a:ext>
-            </a:extLst>
-          </p:cNvPr>
+            <a:endParaRPr lang="zh-CN" altLang="en-US"/>
+          </a:p>
+        </p:txBody>
+      </p:sp>
+      <p:sp>
+        <p:nvSpPr>
+          <p:cNvPr id="4" name="日期占位符 3"/>
           <p:cNvSpPr>
             <a:spLocks noGrp="1"/>
           </p:cNvSpPr>
@@ -874,7 +760,6 @@
           <a:p>
             <a:fld id="{07BC0F4A-C851-4078-B1B9-0E453F007FCE}" type="datetimeFigureOut">
               <a:rPr lang="zh-CN" altLang="en-US" smtClean="0"/>
-              <a:t>2020/6/5</a:t>
             </a:fld>
             <a:endParaRPr lang="zh-CN" altLang="en-US"/>
           </a:p>
@@ -882,13 +767,7 @@
       </p:sp>
       <p:sp>
         <p:nvSpPr>
-          <p:cNvPr id="5" name="页脚占位符 4">
-            <a:extLst>
-              <a:ext uri="{FF2B5EF4-FFF2-40B4-BE49-F238E27FC236}">
-                <a16:creationId xmlns:a16="http://schemas.microsoft.com/office/drawing/2014/main" id="{EA17EEE5-4A33-48C1-9964-825EB6EE1EF4}"/>
-              </a:ext>
-            </a:extLst>
-          </p:cNvPr>
+          <p:cNvPr id="5" name="页脚占位符 4"/>
           <p:cNvSpPr>
             <a:spLocks noGrp="1"/>
           </p:cNvSpPr>
@@ -907,13 +786,7 @@
       </p:sp>
       <p:sp>
         <p:nvSpPr>
-          <p:cNvPr id="6" name="灯片编号占位符 5">
-            <a:extLst>
-              <a:ext uri="{FF2B5EF4-FFF2-40B4-BE49-F238E27FC236}">
-                <a16:creationId xmlns:a16="http://schemas.microsoft.com/office/drawing/2014/main" id="{AC402E58-AD94-4FA5-9C7B-FF2E9372EC97}"/>
-              </a:ext>
-            </a:extLst>
-          </p:cNvPr>
+          <p:cNvPr id="6" name="灯片编号占位符 5"/>
           <p:cNvSpPr>
             <a:spLocks noGrp="1"/>
           </p:cNvSpPr>
@@ -928,18 +801,12 @@
           <a:p>
             <a:fld id="{CE29180E-2B15-4422-8464-9ED372F127D7}" type="slidenum">
               <a:rPr lang="zh-CN" altLang="en-US" smtClean="0"/>
-              <a:t>‹#›</a:t>
             </a:fld>
             <a:endParaRPr lang="zh-CN" altLang="en-US"/>
           </a:p>
         </p:txBody>
       </p:sp>
     </p:spTree>
-    <p:extLst>
-      <p:ext uri="{BB962C8B-B14F-4D97-AF65-F5344CB8AC3E}">
-        <p14:creationId xmlns:p14="http://schemas.microsoft.com/office/powerpoint/2010/main" val="2431072536"/>
-      </p:ext>
-    </p:extLst>
   </p:cSld>
   <p:clrMapOvr>
     <a:masterClrMapping/>
@@ -966,13 +833,7 @@
       </p:grpSpPr>
       <p:sp>
         <p:nvSpPr>
-          <p:cNvPr id="2" name="标题 1">
-            <a:extLst>
-              <a:ext uri="{FF2B5EF4-FFF2-40B4-BE49-F238E27FC236}">
-                <a16:creationId xmlns:a16="http://schemas.microsoft.com/office/drawing/2014/main" id="{B0784492-B93E-463E-8786-1D76DBB4A7E5}"/>
-              </a:ext>
-            </a:extLst>
-          </p:cNvPr>
+          <p:cNvPr id="2" name="标题 1"/>
           <p:cNvSpPr>
             <a:spLocks noGrp="1"/>
           </p:cNvSpPr>
@@ -998,18 +859,13 @@
               <a:rPr lang="zh-CN" altLang="en-US"/>
               <a:t>单击此处编辑母版标题样式</a:t>
             </a:r>
-          </a:p>
-        </p:txBody>
-      </p:sp>
-      <p:sp>
-        <p:nvSpPr>
-          <p:cNvPr id="3" name="文本占位符 2">
-            <a:extLst>
-              <a:ext uri="{FF2B5EF4-FFF2-40B4-BE49-F238E27FC236}">
-                <a16:creationId xmlns:a16="http://schemas.microsoft.com/office/drawing/2014/main" id="{0E022076-8DCF-4547-89A9-A12E371D5412}"/>
-              </a:ext>
-            </a:extLst>
-          </p:cNvPr>
+            <a:endParaRPr lang="zh-CN" altLang="en-US"/>
+          </a:p>
+        </p:txBody>
+      </p:sp>
+      <p:sp>
+        <p:nvSpPr>
+          <p:cNvPr id="3" name="文本占位符 2"/>
           <p:cNvSpPr>
             <a:spLocks noGrp="1"/>
           </p:cNvSpPr>
@@ -1123,18 +979,13 @@
               <a:rPr lang="zh-CN" altLang="en-US"/>
               <a:t>单击此处编辑母版文本样式</a:t>
             </a:r>
-          </a:p>
-        </p:txBody>
-      </p:sp>
-      <p:sp>
-        <p:nvSpPr>
-          <p:cNvPr id="4" name="日期占位符 3">
-            <a:extLst>
-              <a:ext uri="{FF2B5EF4-FFF2-40B4-BE49-F238E27FC236}">
-                <a16:creationId xmlns:a16="http://schemas.microsoft.com/office/drawing/2014/main" id="{6D2CDD6C-0C6F-441D-96EB-69FA400A05F6}"/>
-              </a:ext>
-            </a:extLst>
-          </p:cNvPr>
+            <a:endParaRPr lang="zh-CN" altLang="en-US"/>
+          </a:p>
+        </p:txBody>
+      </p:sp>
+      <p:sp>
+        <p:nvSpPr>
+          <p:cNvPr id="4" name="日期占位符 3"/>
           <p:cNvSpPr>
             <a:spLocks noGrp="1"/>
           </p:cNvSpPr>
@@ -1149,7 +1000,6 @@
           <a:p>
             <a:fld id="{07BC0F4A-C851-4078-B1B9-0E453F007FCE}" type="datetimeFigureOut">
               <a:rPr lang="zh-CN" altLang="en-US" smtClean="0"/>
-              <a:t>2020/6/5</a:t>
             </a:fld>
             <a:endParaRPr lang="zh-CN" altLang="en-US"/>
           </a:p>
@@ -1157,13 +1007,7 @@
       </p:sp>
       <p:sp>
         <p:nvSpPr>
-          <p:cNvPr id="5" name="页脚占位符 4">
-            <a:extLst>
-              <a:ext uri="{FF2B5EF4-FFF2-40B4-BE49-F238E27FC236}">
-                <a16:creationId xmlns:a16="http://schemas.microsoft.com/office/drawing/2014/main" id="{7941AD79-F60C-4D17-9136-832CC794578A}"/>
-              </a:ext>
-            </a:extLst>
-          </p:cNvPr>
+          <p:cNvPr id="5" name="页脚占位符 4"/>
           <p:cNvSpPr>
             <a:spLocks noGrp="1"/>
           </p:cNvSpPr>
@@ -1182,13 +1026,7 @@
       </p:sp>
       <p:sp>
         <p:nvSpPr>
-          <p:cNvPr id="6" name="灯片编号占位符 5">
-            <a:extLst>
-              <a:ext uri="{FF2B5EF4-FFF2-40B4-BE49-F238E27FC236}">
-                <a16:creationId xmlns:a16="http://schemas.microsoft.com/office/drawing/2014/main" id="{5F336BC1-A015-4E6B-96ED-658F8C81D948}"/>
-              </a:ext>
-            </a:extLst>
-          </p:cNvPr>
+          <p:cNvPr id="6" name="灯片编号占位符 5"/>
           <p:cNvSpPr>
             <a:spLocks noGrp="1"/>
           </p:cNvSpPr>
@@ -1203,18 +1041,12 @@
           <a:p>
             <a:fld id="{CE29180E-2B15-4422-8464-9ED372F127D7}" type="slidenum">
               <a:rPr lang="zh-CN" altLang="en-US" smtClean="0"/>
-              <a:t>‹#›</a:t>
             </a:fld>
             <a:endParaRPr lang="zh-CN" altLang="en-US"/>
           </a:p>
         </p:txBody>
       </p:sp>
     </p:spTree>
-    <p:extLst>
-      <p:ext uri="{BB962C8B-B14F-4D97-AF65-F5344CB8AC3E}">
-        <p14:creationId xmlns:p14="http://schemas.microsoft.com/office/powerpoint/2010/main" val="1751713663"/>
-      </p:ext>
-    </p:extLst>
   </p:cSld>
   <p:clrMapOvr>
     <a:masterClrMapping/>
@@ -1241,13 +1073,7 @@
       </p:grpSpPr>
       <p:sp>
         <p:nvSpPr>
-          <p:cNvPr id="2" name="标题 1">
-            <a:extLst>
-              <a:ext uri="{FF2B5EF4-FFF2-40B4-BE49-F238E27FC236}">
-                <a16:creationId xmlns:a16="http://schemas.microsoft.com/office/drawing/2014/main" id="{5EF6F98E-7FD8-4531-BDB9-1DE62D0D990B}"/>
-              </a:ext>
-            </a:extLst>
-          </p:cNvPr>
+          <p:cNvPr id="2" name="标题 1"/>
           <p:cNvSpPr>
             <a:spLocks noGrp="1"/>
           </p:cNvSpPr>
@@ -1264,18 +1090,13 @@
               <a:rPr lang="zh-CN" altLang="en-US"/>
               <a:t>单击此处编辑母版标题样式</a:t>
             </a:r>
-          </a:p>
-        </p:txBody>
-      </p:sp>
-      <p:sp>
-        <p:nvSpPr>
-          <p:cNvPr id="3" name="内容占位符 2">
-            <a:extLst>
-              <a:ext uri="{FF2B5EF4-FFF2-40B4-BE49-F238E27FC236}">
-                <a16:creationId xmlns:a16="http://schemas.microsoft.com/office/drawing/2014/main" id="{A29CBFF1-6E78-4E6E-AFBC-163F63F6135A}"/>
-              </a:ext>
-            </a:extLst>
-          </p:cNvPr>
+            <a:endParaRPr lang="zh-CN" altLang="en-US"/>
+          </a:p>
+        </p:txBody>
+      </p:sp>
+      <p:sp>
+        <p:nvSpPr>
+          <p:cNvPr id="3" name="内容占位符 2"/>
           <p:cNvSpPr>
             <a:spLocks noGrp="1"/>
           </p:cNvSpPr>
@@ -1298,6 +1119,7 @@
               <a:rPr lang="zh-CN" altLang="en-US"/>
               <a:t>单击此处编辑母版文本样式</a:t>
             </a:r>
+            <a:endParaRPr lang="zh-CN" altLang="en-US"/>
           </a:p>
           <a:p>
             <a:pPr lvl="1"/>
@@ -1305,6 +1127,7 @@
               <a:rPr lang="zh-CN" altLang="en-US"/>
               <a:t>二级</a:t>
             </a:r>
+            <a:endParaRPr lang="zh-CN" altLang="en-US"/>
           </a:p>
           <a:p>
             <a:pPr lvl="2"/>
@@ -1312,6 +1135,7 @@
               <a:rPr lang="zh-CN" altLang="en-US"/>
               <a:t>三级</a:t>
             </a:r>
+            <a:endParaRPr lang="zh-CN" altLang="en-US"/>
           </a:p>
           <a:p>
             <a:pPr lvl="3"/>
@@ -1319,6 +1143,7 @@
               <a:rPr lang="zh-CN" altLang="en-US"/>
               <a:t>四级</a:t>
             </a:r>
+            <a:endParaRPr lang="zh-CN" altLang="en-US"/>
           </a:p>
           <a:p>
             <a:pPr lvl="4"/>
@@ -1326,18 +1151,13 @@
               <a:rPr lang="zh-CN" altLang="en-US"/>
               <a:t>五级</a:t>
             </a:r>
-          </a:p>
-        </p:txBody>
-      </p:sp>
-      <p:sp>
-        <p:nvSpPr>
-          <p:cNvPr id="4" name="内容占位符 3">
-            <a:extLst>
-              <a:ext uri="{FF2B5EF4-FFF2-40B4-BE49-F238E27FC236}">
-                <a16:creationId xmlns:a16="http://schemas.microsoft.com/office/drawing/2014/main" id="{DE3C0A2A-2E96-41E4-87A9-3D5E49587EF8}"/>
-              </a:ext>
-            </a:extLst>
-          </p:cNvPr>
+            <a:endParaRPr lang="zh-CN" altLang="en-US"/>
+          </a:p>
+        </p:txBody>
+      </p:sp>
+      <p:sp>
+        <p:nvSpPr>
+          <p:cNvPr id="4" name="内容占位符 3"/>
           <p:cNvSpPr>
             <a:spLocks noGrp="1"/>
           </p:cNvSpPr>
@@ -1360,6 +1180,7 @@
               <a:rPr lang="zh-CN" altLang="en-US"/>
               <a:t>单击此处编辑母版文本样式</a:t>
             </a:r>
+            <a:endParaRPr lang="zh-CN" altLang="en-US"/>
           </a:p>
           <a:p>
             <a:pPr lvl="1"/>
@@ -1367,6 +1188,7 @@
               <a:rPr lang="zh-CN" altLang="en-US"/>
               <a:t>二级</a:t>
             </a:r>
+            <a:endParaRPr lang="zh-CN" altLang="en-US"/>
           </a:p>
           <a:p>
             <a:pPr lvl="2"/>
@@ -1374,6 +1196,7 @@
               <a:rPr lang="zh-CN" altLang="en-US"/>
               <a:t>三级</a:t>
             </a:r>
+            <a:endParaRPr lang="zh-CN" altLang="en-US"/>
           </a:p>
           <a:p>
             <a:pPr lvl="3"/>
@@ -1381,6 +1204,7 @@
               <a:rPr lang="zh-CN" altLang="en-US"/>
               <a:t>四级</a:t>
             </a:r>
+            <a:endParaRPr lang="zh-CN" altLang="en-US"/>
           </a:p>
           <a:p>
             <a:pPr lvl="4"/>
@@ -1388,18 +1212,13 @@
               <a:rPr lang="zh-CN" altLang="en-US"/>
               <a:t>五级</a:t>
             </a:r>
-          </a:p>
-        </p:txBody>
-      </p:sp>
-      <p:sp>
-        <p:nvSpPr>
-          <p:cNvPr id="5" name="日期占位符 4">
-            <a:extLst>
-              <a:ext uri="{FF2B5EF4-FFF2-40B4-BE49-F238E27FC236}">
-                <a16:creationId xmlns:a16="http://schemas.microsoft.com/office/drawing/2014/main" id="{E3435DEA-2B19-4989-81BC-B1307312EE0E}"/>
-              </a:ext>
-            </a:extLst>
-          </p:cNvPr>
+            <a:endParaRPr lang="zh-CN" altLang="en-US"/>
+          </a:p>
+        </p:txBody>
+      </p:sp>
+      <p:sp>
+        <p:nvSpPr>
+          <p:cNvPr id="5" name="日期占位符 4"/>
           <p:cNvSpPr>
             <a:spLocks noGrp="1"/>
           </p:cNvSpPr>
@@ -1414,7 +1233,6 @@
           <a:p>
             <a:fld id="{07BC0F4A-C851-4078-B1B9-0E453F007FCE}" type="datetimeFigureOut">
               <a:rPr lang="zh-CN" altLang="en-US" smtClean="0"/>
-              <a:t>2020/6/5</a:t>
             </a:fld>
             <a:endParaRPr lang="zh-CN" altLang="en-US"/>
           </a:p>
@@ -1422,13 +1240,7 @@
       </p:sp>
       <p:sp>
         <p:nvSpPr>
-          <p:cNvPr id="6" name="页脚占位符 5">
-            <a:extLst>
-              <a:ext uri="{FF2B5EF4-FFF2-40B4-BE49-F238E27FC236}">
-                <a16:creationId xmlns:a16="http://schemas.microsoft.com/office/drawing/2014/main" id="{7F809445-6D0B-4242-A389-17E928AF3630}"/>
-              </a:ext>
-            </a:extLst>
-          </p:cNvPr>
+          <p:cNvPr id="6" name="页脚占位符 5"/>
           <p:cNvSpPr>
             <a:spLocks noGrp="1"/>
           </p:cNvSpPr>
@@ -1447,13 +1259,7 @@
       </p:sp>
       <p:sp>
         <p:nvSpPr>
-          <p:cNvPr id="7" name="灯片编号占位符 6">
-            <a:extLst>
-              <a:ext uri="{FF2B5EF4-FFF2-40B4-BE49-F238E27FC236}">
-                <a16:creationId xmlns:a16="http://schemas.microsoft.com/office/drawing/2014/main" id="{0389D986-1939-4A3A-94D0-6A0870236853}"/>
-              </a:ext>
-            </a:extLst>
-          </p:cNvPr>
+          <p:cNvPr id="7" name="灯片编号占位符 6"/>
           <p:cNvSpPr>
             <a:spLocks noGrp="1"/>
           </p:cNvSpPr>
@@ -1468,18 +1274,12 @@
           <a:p>
             <a:fld id="{CE29180E-2B15-4422-8464-9ED372F127D7}" type="slidenum">
               <a:rPr lang="zh-CN" altLang="en-US" smtClean="0"/>
-              <a:t>‹#›</a:t>
             </a:fld>
             <a:endParaRPr lang="zh-CN" altLang="en-US"/>
           </a:p>
         </p:txBody>
       </p:sp>
     </p:spTree>
-    <p:extLst>
-      <p:ext uri="{BB962C8B-B14F-4D97-AF65-F5344CB8AC3E}">
-        <p14:creationId xmlns:p14="http://schemas.microsoft.com/office/powerpoint/2010/main" val="1174971540"/>
-      </p:ext>
-    </p:extLst>
   </p:cSld>
   <p:clrMapOvr>
     <a:masterClrMapping/>
@@ -1506,13 +1306,7 @@
       </p:grpSpPr>
       <p:sp>
         <p:nvSpPr>
-          <p:cNvPr id="2" name="标题 1">
-            <a:extLst>
-              <a:ext uri="{FF2B5EF4-FFF2-40B4-BE49-F238E27FC236}">
-                <a16:creationId xmlns:a16="http://schemas.microsoft.com/office/drawing/2014/main" id="{220087FC-085B-4D27-A8B2-08F4E192A276}"/>
-              </a:ext>
-            </a:extLst>
-          </p:cNvPr>
+          <p:cNvPr id="2" name="标题 1"/>
           <p:cNvSpPr>
             <a:spLocks noGrp="1"/>
           </p:cNvSpPr>
@@ -1534,18 +1328,13 @@
               <a:rPr lang="zh-CN" altLang="en-US"/>
               <a:t>单击此处编辑母版标题样式</a:t>
             </a:r>
-          </a:p>
-        </p:txBody>
-      </p:sp>
-      <p:sp>
-        <p:nvSpPr>
-          <p:cNvPr id="3" name="文本占位符 2">
-            <a:extLst>
-              <a:ext uri="{FF2B5EF4-FFF2-40B4-BE49-F238E27FC236}">
-                <a16:creationId xmlns:a16="http://schemas.microsoft.com/office/drawing/2014/main" id="{0C0DC9CC-DDE0-465B-AE30-316D3E6D2F0E}"/>
-              </a:ext>
-            </a:extLst>
-          </p:cNvPr>
+            <a:endParaRPr lang="zh-CN" altLang="en-US"/>
+          </a:p>
+        </p:txBody>
+      </p:sp>
+      <p:sp>
+        <p:nvSpPr>
+          <p:cNvPr id="3" name="文本占位符 2"/>
           <p:cNvSpPr>
             <a:spLocks noGrp="1"/>
           </p:cNvSpPr>
@@ -1605,18 +1394,13 @@
               <a:rPr lang="zh-CN" altLang="en-US"/>
               <a:t>单击此处编辑母版文本样式</a:t>
             </a:r>
-          </a:p>
-        </p:txBody>
-      </p:sp>
-      <p:sp>
-        <p:nvSpPr>
-          <p:cNvPr id="4" name="内容占位符 3">
-            <a:extLst>
-              <a:ext uri="{FF2B5EF4-FFF2-40B4-BE49-F238E27FC236}">
-                <a16:creationId xmlns:a16="http://schemas.microsoft.com/office/drawing/2014/main" id="{ECEDA662-C59E-46B6-A60C-872CAFF54EDB}"/>
-              </a:ext>
-            </a:extLst>
-          </p:cNvPr>
+            <a:endParaRPr lang="zh-CN" altLang="en-US"/>
+          </a:p>
+        </p:txBody>
+      </p:sp>
+      <p:sp>
+        <p:nvSpPr>
+          <p:cNvPr id="4" name="内容占位符 3"/>
           <p:cNvSpPr>
             <a:spLocks noGrp="1"/>
           </p:cNvSpPr>
@@ -1639,6 +1423,7 @@
               <a:rPr lang="zh-CN" altLang="en-US"/>
               <a:t>单击此处编辑母版文本样式</a:t>
             </a:r>
+            <a:endParaRPr lang="zh-CN" altLang="en-US"/>
           </a:p>
           <a:p>
             <a:pPr lvl="1"/>
@@ -1646,6 +1431,7 @@
               <a:rPr lang="zh-CN" altLang="en-US"/>
               <a:t>二级</a:t>
             </a:r>
+            <a:endParaRPr lang="zh-CN" altLang="en-US"/>
           </a:p>
           <a:p>
             <a:pPr lvl="2"/>
@@ -1653,6 +1439,7 @@
               <a:rPr lang="zh-CN" altLang="en-US"/>
               <a:t>三级</a:t>
             </a:r>
+            <a:endParaRPr lang="zh-CN" altLang="en-US"/>
           </a:p>
           <a:p>
             <a:pPr lvl="3"/>
@@ -1660,6 +1447,7 @@
               <a:rPr lang="zh-CN" altLang="en-US"/>
               <a:t>四级</a:t>
             </a:r>
+            <a:endParaRPr lang="zh-CN" altLang="en-US"/>
           </a:p>
           <a:p>
             <a:pPr lvl="4"/>
@@ -1667,18 +1455,13 @@
               <a:rPr lang="zh-CN" altLang="en-US"/>
               <a:t>五级</a:t>
             </a:r>
-          </a:p>
-        </p:txBody>
-      </p:sp>
-      <p:sp>
-        <p:nvSpPr>
-          <p:cNvPr id="5" name="文本占位符 4">
-            <a:extLst>
-              <a:ext uri="{FF2B5EF4-FFF2-40B4-BE49-F238E27FC236}">
-                <a16:creationId xmlns:a16="http://schemas.microsoft.com/office/drawing/2014/main" id="{3F68EFFA-774A-463C-8FFF-507B33C7C406}"/>
-              </a:ext>
-            </a:extLst>
-          </p:cNvPr>
+            <a:endParaRPr lang="zh-CN" altLang="en-US"/>
+          </a:p>
+        </p:txBody>
+      </p:sp>
+      <p:sp>
+        <p:nvSpPr>
+          <p:cNvPr id="5" name="文本占位符 4"/>
           <p:cNvSpPr>
             <a:spLocks noGrp="1"/>
           </p:cNvSpPr>
@@ -1738,18 +1521,13 @@
               <a:rPr lang="zh-CN" altLang="en-US"/>
               <a:t>单击此处编辑母版文本样式</a:t>
             </a:r>
-          </a:p>
-        </p:txBody>
-      </p:sp>
-      <p:sp>
-        <p:nvSpPr>
-          <p:cNvPr id="6" name="内容占位符 5">
-            <a:extLst>
-              <a:ext uri="{FF2B5EF4-FFF2-40B4-BE49-F238E27FC236}">
-                <a16:creationId xmlns:a16="http://schemas.microsoft.com/office/drawing/2014/main" id="{552E91BA-E542-4F80-8CB0-FF6DB4426C4D}"/>
-              </a:ext>
-            </a:extLst>
-          </p:cNvPr>
+            <a:endParaRPr lang="zh-CN" altLang="en-US"/>
+          </a:p>
+        </p:txBody>
+      </p:sp>
+      <p:sp>
+        <p:nvSpPr>
+          <p:cNvPr id="6" name="内容占位符 5"/>
           <p:cNvSpPr>
             <a:spLocks noGrp="1"/>
           </p:cNvSpPr>
@@ -1772,6 +1550,7 @@
               <a:rPr lang="zh-CN" altLang="en-US"/>
               <a:t>单击此处编辑母版文本样式</a:t>
             </a:r>
+            <a:endParaRPr lang="zh-CN" altLang="en-US"/>
           </a:p>
           <a:p>
             <a:pPr lvl="1"/>
@@ -1779,6 +1558,7 @@
               <a:rPr lang="zh-CN" altLang="en-US"/>
               <a:t>二级</a:t>
             </a:r>
+            <a:endParaRPr lang="zh-CN" altLang="en-US"/>
           </a:p>
           <a:p>
             <a:pPr lvl="2"/>
@@ -1786,6 +1566,7 @@
               <a:rPr lang="zh-CN" altLang="en-US"/>
               <a:t>三级</a:t>
             </a:r>
+            <a:endParaRPr lang="zh-CN" altLang="en-US"/>
           </a:p>
           <a:p>
             <a:pPr lvl="3"/>
@@ -1793,6 +1574,7 @@
               <a:rPr lang="zh-CN" altLang="en-US"/>
               <a:t>四级</a:t>
             </a:r>
+            <a:endParaRPr lang="zh-CN" altLang="en-US"/>
           </a:p>
           <a:p>
             <a:pPr lvl="4"/>
@@ -1800,18 +1582,13 @@
               <a:rPr lang="zh-CN" altLang="en-US"/>
               <a:t>五级</a:t>
             </a:r>
-          </a:p>
-        </p:txBody>
-      </p:sp>
-      <p:sp>
-        <p:nvSpPr>
-          <p:cNvPr id="7" name="日期占位符 6">
-            <a:extLst>
-              <a:ext uri="{FF2B5EF4-FFF2-40B4-BE49-F238E27FC236}">
-                <a16:creationId xmlns:a16="http://schemas.microsoft.com/office/drawing/2014/main" id="{D25B9096-A423-41DD-AD4F-BD7F83096500}"/>
-              </a:ext>
-            </a:extLst>
-          </p:cNvPr>
+            <a:endParaRPr lang="zh-CN" altLang="en-US"/>
+          </a:p>
+        </p:txBody>
+      </p:sp>
+      <p:sp>
+        <p:nvSpPr>
+          <p:cNvPr id="7" name="日期占位符 6"/>
           <p:cNvSpPr>
             <a:spLocks noGrp="1"/>
           </p:cNvSpPr>
@@ -1826,7 +1603,6 @@
           <a:p>
             <a:fld id="{07BC0F4A-C851-4078-B1B9-0E453F007FCE}" type="datetimeFigureOut">
               <a:rPr lang="zh-CN" altLang="en-US" smtClean="0"/>
-              <a:t>2020/6/5</a:t>
             </a:fld>
             <a:endParaRPr lang="zh-CN" altLang="en-US"/>
           </a:p>
@@ -1834,13 +1610,7 @@
       </p:sp>
       <p:sp>
         <p:nvSpPr>
-          <p:cNvPr id="8" name="页脚占位符 7">
-            <a:extLst>
-              <a:ext uri="{FF2B5EF4-FFF2-40B4-BE49-F238E27FC236}">
-                <a16:creationId xmlns:a16="http://schemas.microsoft.com/office/drawing/2014/main" id="{06EDF1EA-2B75-4009-A203-3EA7D9CE048E}"/>
-              </a:ext>
-            </a:extLst>
-          </p:cNvPr>
+          <p:cNvPr id="8" name="页脚占位符 7"/>
           <p:cNvSpPr>
             <a:spLocks noGrp="1"/>
           </p:cNvSpPr>
@@ -1859,13 +1629,7 @@
       </p:sp>
       <p:sp>
         <p:nvSpPr>
-          <p:cNvPr id="9" name="灯片编号占位符 8">
-            <a:extLst>
-              <a:ext uri="{FF2B5EF4-FFF2-40B4-BE49-F238E27FC236}">
-                <a16:creationId xmlns:a16="http://schemas.microsoft.com/office/drawing/2014/main" id="{D86FDF18-1566-4278-95B4-78D877EE5643}"/>
-              </a:ext>
-            </a:extLst>
-          </p:cNvPr>
+          <p:cNvPr id="9" name="灯片编号占位符 8"/>
           <p:cNvSpPr>
             <a:spLocks noGrp="1"/>
           </p:cNvSpPr>
@@ -1880,18 +1644,12 @@
           <a:p>
             <a:fld id="{CE29180E-2B15-4422-8464-9ED372F127D7}" type="slidenum">
               <a:rPr lang="zh-CN" altLang="en-US" smtClean="0"/>
-              <a:t>‹#›</a:t>
             </a:fld>
             <a:endParaRPr lang="zh-CN" altLang="en-US"/>
           </a:p>
         </p:txBody>
       </p:sp>
     </p:spTree>
-    <p:extLst>
-      <p:ext uri="{BB962C8B-B14F-4D97-AF65-F5344CB8AC3E}">
-        <p14:creationId xmlns:p14="http://schemas.microsoft.com/office/powerpoint/2010/main" val="1208808449"/>
-      </p:ext>
-    </p:extLst>
   </p:cSld>
   <p:clrMapOvr>
     <a:masterClrMapping/>
@@ -1918,13 +1676,7 @@
       </p:grpSpPr>
       <p:sp>
         <p:nvSpPr>
-          <p:cNvPr id="2" name="标题 1">
-            <a:extLst>
-              <a:ext uri="{FF2B5EF4-FFF2-40B4-BE49-F238E27FC236}">
-                <a16:creationId xmlns:a16="http://schemas.microsoft.com/office/drawing/2014/main" id="{23E43841-73C3-4375-A440-20AFFD4661ED}"/>
-              </a:ext>
-            </a:extLst>
-          </p:cNvPr>
+          <p:cNvPr id="2" name="标题 1"/>
           <p:cNvSpPr>
             <a:spLocks noGrp="1"/>
           </p:cNvSpPr>
@@ -1941,18 +1693,13 @@
               <a:rPr lang="zh-CN" altLang="en-US"/>
               <a:t>单击此处编辑母版标题样式</a:t>
             </a:r>
-          </a:p>
-        </p:txBody>
-      </p:sp>
-      <p:sp>
-        <p:nvSpPr>
-          <p:cNvPr id="3" name="日期占位符 2">
-            <a:extLst>
-              <a:ext uri="{FF2B5EF4-FFF2-40B4-BE49-F238E27FC236}">
-                <a16:creationId xmlns:a16="http://schemas.microsoft.com/office/drawing/2014/main" id="{50AD4E9B-428B-49D5-B78C-97FADE2C89A8}"/>
-              </a:ext>
-            </a:extLst>
-          </p:cNvPr>
+            <a:endParaRPr lang="zh-CN" altLang="en-US"/>
+          </a:p>
+        </p:txBody>
+      </p:sp>
+      <p:sp>
+        <p:nvSpPr>
+          <p:cNvPr id="3" name="日期占位符 2"/>
           <p:cNvSpPr>
             <a:spLocks noGrp="1"/>
           </p:cNvSpPr>
@@ -1967,7 +1714,6 @@
           <a:p>
             <a:fld id="{07BC0F4A-C851-4078-B1B9-0E453F007FCE}" type="datetimeFigureOut">
               <a:rPr lang="zh-CN" altLang="en-US" smtClean="0"/>
-              <a:t>2020/6/5</a:t>
             </a:fld>
             <a:endParaRPr lang="zh-CN" altLang="en-US"/>
           </a:p>
@@ -1975,13 +1721,7 @@
       </p:sp>
       <p:sp>
         <p:nvSpPr>
-          <p:cNvPr id="4" name="页脚占位符 3">
-            <a:extLst>
-              <a:ext uri="{FF2B5EF4-FFF2-40B4-BE49-F238E27FC236}">
-                <a16:creationId xmlns:a16="http://schemas.microsoft.com/office/drawing/2014/main" id="{90E0C7E6-7387-4F01-BE4B-59C69C7C98C6}"/>
-              </a:ext>
-            </a:extLst>
-          </p:cNvPr>
+          <p:cNvPr id="4" name="页脚占位符 3"/>
           <p:cNvSpPr>
             <a:spLocks noGrp="1"/>
           </p:cNvSpPr>
@@ -2000,13 +1740,7 @@
       </p:sp>
       <p:sp>
         <p:nvSpPr>
-          <p:cNvPr id="5" name="灯片编号占位符 4">
-            <a:extLst>
-              <a:ext uri="{FF2B5EF4-FFF2-40B4-BE49-F238E27FC236}">
-                <a16:creationId xmlns:a16="http://schemas.microsoft.com/office/drawing/2014/main" id="{5FDC8351-C416-4039-B578-543DD22759CF}"/>
-              </a:ext>
-            </a:extLst>
-          </p:cNvPr>
+          <p:cNvPr id="5" name="灯片编号占位符 4"/>
           <p:cNvSpPr>
             <a:spLocks noGrp="1"/>
           </p:cNvSpPr>
@@ -2021,18 +1755,12 @@
           <a:p>
             <a:fld id="{CE29180E-2B15-4422-8464-9ED372F127D7}" type="slidenum">
               <a:rPr lang="zh-CN" altLang="en-US" smtClean="0"/>
-              <a:t>‹#›</a:t>
             </a:fld>
             <a:endParaRPr lang="zh-CN" altLang="en-US"/>
           </a:p>
         </p:txBody>
       </p:sp>
     </p:spTree>
-    <p:extLst>
-      <p:ext uri="{BB962C8B-B14F-4D97-AF65-F5344CB8AC3E}">
-        <p14:creationId xmlns:p14="http://schemas.microsoft.com/office/powerpoint/2010/main" val="225653365"/>
-      </p:ext>
-    </p:extLst>
   </p:cSld>
   <p:clrMapOvr>
     <a:masterClrMapping/>
@@ -2059,13 +1787,7 @@
       </p:grpSpPr>
       <p:sp>
         <p:nvSpPr>
-          <p:cNvPr id="2" name="日期占位符 1">
-            <a:extLst>
-              <a:ext uri="{FF2B5EF4-FFF2-40B4-BE49-F238E27FC236}">
-                <a16:creationId xmlns:a16="http://schemas.microsoft.com/office/drawing/2014/main" id="{8AE0ECD2-923D-495B-87C2-DB1139898882}"/>
-              </a:ext>
-            </a:extLst>
-          </p:cNvPr>
+          <p:cNvPr id="2" name="日期占位符 1"/>
           <p:cNvSpPr>
             <a:spLocks noGrp="1"/>
           </p:cNvSpPr>
@@ -2080,7 +1802,6 @@
           <a:p>
             <a:fld id="{07BC0F4A-C851-4078-B1B9-0E453F007FCE}" type="datetimeFigureOut">
               <a:rPr lang="zh-CN" altLang="en-US" smtClean="0"/>
-              <a:t>2020/6/5</a:t>
             </a:fld>
             <a:endParaRPr lang="zh-CN" altLang="en-US"/>
           </a:p>
@@ -2088,13 +1809,7 @@
       </p:sp>
       <p:sp>
         <p:nvSpPr>
-          <p:cNvPr id="3" name="页脚占位符 2">
-            <a:extLst>
-              <a:ext uri="{FF2B5EF4-FFF2-40B4-BE49-F238E27FC236}">
-                <a16:creationId xmlns:a16="http://schemas.microsoft.com/office/drawing/2014/main" id="{6C2F77D8-AACB-48DD-8872-374238AEC1A2}"/>
-              </a:ext>
-            </a:extLst>
-          </p:cNvPr>
+          <p:cNvPr id="3" name="页脚占位符 2"/>
           <p:cNvSpPr>
             <a:spLocks noGrp="1"/>
           </p:cNvSpPr>
@@ -2113,13 +1828,7 @@
       </p:sp>
       <p:sp>
         <p:nvSpPr>
-          <p:cNvPr id="4" name="灯片编号占位符 3">
-            <a:extLst>
-              <a:ext uri="{FF2B5EF4-FFF2-40B4-BE49-F238E27FC236}">
-                <a16:creationId xmlns:a16="http://schemas.microsoft.com/office/drawing/2014/main" id="{9C234457-0C86-4F53-8E08-C72A953D0D20}"/>
-              </a:ext>
-            </a:extLst>
-          </p:cNvPr>
+          <p:cNvPr id="4" name="灯片编号占位符 3"/>
           <p:cNvSpPr>
             <a:spLocks noGrp="1"/>
           </p:cNvSpPr>
@@ -2134,18 +1843,12 @@
           <a:p>
             <a:fld id="{CE29180E-2B15-4422-8464-9ED372F127D7}" type="slidenum">
               <a:rPr lang="zh-CN" altLang="en-US" smtClean="0"/>
-              <a:t>‹#›</a:t>
             </a:fld>
             <a:endParaRPr lang="zh-CN" altLang="en-US"/>
           </a:p>
         </p:txBody>
       </p:sp>
     </p:spTree>
-    <p:extLst>
-      <p:ext uri="{BB962C8B-B14F-4D97-AF65-F5344CB8AC3E}">
-        <p14:creationId xmlns:p14="http://schemas.microsoft.com/office/powerpoint/2010/main" val="195270396"/>
-      </p:ext>
-    </p:extLst>
   </p:cSld>
   <p:clrMapOvr>
     <a:masterClrMapping/>
@@ -2172,13 +1875,7 @@
       </p:grpSpPr>
       <p:sp>
         <p:nvSpPr>
-          <p:cNvPr id="2" name="标题 1">
-            <a:extLst>
-              <a:ext uri="{FF2B5EF4-FFF2-40B4-BE49-F238E27FC236}">
-                <a16:creationId xmlns:a16="http://schemas.microsoft.com/office/drawing/2014/main" id="{936E37FE-68F9-42AF-8A02-BCDF63F22E5F}"/>
-              </a:ext>
-            </a:extLst>
-          </p:cNvPr>
+          <p:cNvPr id="2" name="标题 1"/>
           <p:cNvSpPr>
             <a:spLocks noGrp="1"/>
           </p:cNvSpPr>
@@ -2204,18 +1901,13 @@
               <a:rPr lang="zh-CN" altLang="en-US"/>
               <a:t>单击此处编辑母版标题样式</a:t>
             </a:r>
-          </a:p>
-        </p:txBody>
-      </p:sp>
-      <p:sp>
-        <p:nvSpPr>
-          <p:cNvPr id="3" name="内容占位符 2">
-            <a:extLst>
-              <a:ext uri="{FF2B5EF4-FFF2-40B4-BE49-F238E27FC236}">
-                <a16:creationId xmlns:a16="http://schemas.microsoft.com/office/drawing/2014/main" id="{AFEB35DD-852A-4036-B5EF-B571524C6F63}"/>
-              </a:ext>
-            </a:extLst>
-          </p:cNvPr>
+            <a:endParaRPr lang="zh-CN" altLang="en-US"/>
+          </a:p>
+        </p:txBody>
+      </p:sp>
+      <p:sp>
+        <p:nvSpPr>
+          <p:cNvPr id="3" name="内容占位符 2"/>
           <p:cNvSpPr>
             <a:spLocks noGrp="1"/>
           </p:cNvSpPr>
@@ -2266,6 +1958,7 @@
               <a:rPr lang="zh-CN" altLang="en-US"/>
               <a:t>单击此处编辑母版文本样式</a:t>
             </a:r>
+            <a:endParaRPr lang="zh-CN" altLang="en-US"/>
           </a:p>
           <a:p>
             <a:pPr lvl="1"/>
@@ -2273,6 +1966,7 @@
               <a:rPr lang="zh-CN" altLang="en-US"/>
               <a:t>二级</a:t>
             </a:r>
+            <a:endParaRPr lang="zh-CN" altLang="en-US"/>
           </a:p>
           <a:p>
             <a:pPr lvl="2"/>
@@ -2280,6 +1974,7 @@
               <a:rPr lang="zh-CN" altLang="en-US"/>
               <a:t>三级</a:t>
             </a:r>
+            <a:endParaRPr lang="zh-CN" altLang="en-US"/>
           </a:p>
           <a:p>
             <a:pPr lvl="3"/>
@@ -2287,6 +1982,7 @@
               <a:rPr lang="zh-CN" altLang="en-US"/>
               <a:t>四级</a:t>
             </a:r>
+            <a:endParaRPr lang="zh-CN" altLang="en-US"/>
           </a:p>
           <a:p>
             <a:pPr lvl="4"/>
@@ -2294,18 +1990,13 @@
               <a:rPr lang="zh-CN" altLang="en-US"/>
               <a:t>五级</a:t>
             </a:r>
-          </a:p>
-        </p:txBody>
-      </p:sp>
-      <p:sp>
-        <p:nvSpPr>
-          <p:cNvPr id="4" name="文本占位符 3">
-            <a:extLst>
-              <a:ext uri="{FF2B5EF4-FFF2-40B4-BE49-F238E27FC236}">
-                <a16:creationId xmlns:a16="http://schemas.microsoft.com/office/drawing/2014/main" id="{E32661C7-79BD-4B60-8E3D-EDD1F33ABA52}"/>
-              </a:ext>
-            </a:extLst>
-          </p:cNvPr>
+            <a:endParaRPr lang="zh-CN" altLang="en-US"/>
+          </a:p>
+        </p:txBody>
+      </p:sp>
+      <p:sp>
+        <p:nvSpPr>
+          <p:cNvPr id="4" name="文本占位符 3"/>
           <p:cNvSpPr>
             <a:spLocks noGrp="1"/>
           </p:cNvSpPr>
@@ -2365,18 +2056,13 @@
               <a:rPr lang="zh-CN" altLang="en-US"/>
               <a:t>单击此处编辑母版文本样式</a:t>
             </a:r>
-          </a:p>
-        </p:txBody>
-      </p:sp>
-      <p:sp>
-        <p:nvSpPr>
-          <p:cNvPr id="5" name="日期占位符 4">
-            <a:extLst>
-              <a:ext uri="{FF2B5EF4-FFF2-40B4-BE49-F238E27FC236}">
-                <a16:creationId xmlns:a16="http://schemas.microsoft.com/office/drawing/2014/main" id="{82E23090-EED9-4FAC-9D45-D12C5C89EF7F}"/>
-              </a:ext>
-            </a:extLst>
-          </p:cNvPr>
+            <a:endParaRPr lang="zh-CN" altLang="en-US"/>
+          </a:p>
+        </p:txBody>
+      </p:sp>
+      <p:sp>
+        <p:nvSpPr>
+          <p:cNvPr id="5" name="日期占位符 4"/>
           <p:cNvSpPr>
             <a:spLocks noGrp="1"/>
           </p:cNvSpPr>
@@ -2391,7 +2077,6 @@
           <a:p>
             <a:fld id="{07BC0F4A-C851-4078-B1B9-0E453F007FCE}" type="datetimeFigureOut">
               <a:rPr lang="zh-CN" altLang="en-US" smtClean="0"/>
-              <a:t>2020/6/5</a:t>
             </a:fld>
             <a:endParaRPr lang="zh-CN" altLang="en-US"/>
           </a:p>
@@ -2399,13 +2084,7 @@
       </p:sp>
       <p:sp>
         <p:nvSpPr>
-          <p:cNvPr id="6" name="页脚占位符 5">
-            <a:extLst>
-              <a:ext uri="{FF2B5EF4-FFF2-40B4-BE49-F238E27FC236}">
-                <a16:creationId xmlns:a16="http://schemas.microsoft.com/office/drawing/2014/main" id="{08033355-8B64-4AD3-87F4-D15C4FEBBCBF}"/>
-              </a:ext>
-            </a:extLst>
-          </p:cNvPr>
+          <p:cNvPr id="6" name="页脚占位符 5"/>
           <p:cNvSpPr>
             <a:spLocks noGrp="1"/>
           </p:cNvSpPr>
@@ -2424,13 +2103,7 @@
       </p:sp>
       <p:sp>
         <p:nvSpPr>
-          <p:cNvPr id="7" name="灯片编号占位符 6">
-            <a:extLst>
-              <a:ext uri="{FF2B5EF4-FFF2-40B4-BE49-F238E27FC236}">
-                <a16:creationId xmlns:a16="http://schemas.microsoft.com/office/drawing/2014/main" id="{F602BDB6-872E-4CE8-B34E-4D255C02ECFB}"/>
-              </a:ext>
-            </a:extLst>
-          </p:cNvPr>
+          <p:cNvPr id="7" name="灯片编号占位符 6"/>
           <p:cNvSpPr>
             <a:spLocks noGrp="1"/>
           </p:cNvSpPr>
@@ -2445,18 +2118,12 @@
           <a:p>
             <a:fld id="{CE29180E-2B15-4422-8464-9ED372F127D7}" type="slidenum">
               <a:rPr lang="zh-CN" altLang="en-US" smtClean="0"/>
-              <a:t>‹#›</a:t>
             </a:fld>
             <a:endParaRPr lang="zh-CN" altLang="en-US"/>
           </a:p>
         </p:txBody>
       </p:sp>
     </p:spTree>
-    <p:extLst>
-      <p:ext uri="{BB962C8B-B14F-4D97-AF65-F5344CB8AC3E}">
-        <p14:creationId xmlns:p14="http://schemas.microsoft.com/office/powerpoint/2010/main" val="98659984"/>
-      </p:ext>
-    </p:extLst>
   </p:cSld>
   <p:clrMapOvr>
     <a:masterClrMapping/>
@@ -2483,13 +2150,7 @@
       </p:grpSpPr>
       <p:sp>
         <p:nvSpPr>
-          <p:cNvPr id="2" name="标题 1">
-            <a:extLst>
-              <a:ext uri="{FF2B5EF4-FFF2-40B4-BE49-F238E27FC236}">
-                <a16:creationId xmlns:a16="http://schemas.microsoft.com/office/drawing/2014/main" id="{B00B1317-274C-4A89-A660-22E6026B70D7}"/>
-              </a:ext>
-            </a:extLst>
-          </p:cNvPr>
+          <p:cNvPr id="2" name="标题 1"/>
           <p:cNvSpPr>
             <a:spLocks noGrp="1"/>
           </p:cNvSpPr>
@@ -2515,18 +2176,13 @@
               <a:rPr lang="zh-CN" altLang="en-US"/>
               <a:t>单击此处编辑母版标题样式</a:t>
             </a:r>
-          </a:p>
-        </p:txBody>
-      </p:sp>
-      <p:sp>
-        <p:nvSpPr>
-          <p:cNvPr id="3" name="图片占位符 2">
-            <a:extLst>
-              <a:ext uri="{FF2B5EF4-FFF2-40B4-BE49-F238E27FC236}">
-                <a16:creationId xmlns:a16="http://schemas.microsoft.com/office/drawing/2014/main" id="{9B4F1988-7962-4094-9AF9-13520714ECB0}"/>
-              </a:ext>
-            </a:extLst>
-          </p:cNvPr>
+            <a:endParaRPr lang="zh-CN" altLang="en-US"/>
+          </a:p>
+        </p:txBody>
+      </p:sp>
+      <p:sp>
+        <p:nvSpPr>
+          <p:cNvPr id="3" name="图片占位符 2"/>
           <p:cNvSpPr>
             <a:spLocks noGrp="1"/>
           </p:cNvSpPr>
@@ -2587,13 +2243,7 @@
       </p:sp>
       <p:sp>
         <p:nvSpPr>
-          <p:cNvPr id="4" name="文本占位符 3">
-            <a:extLst>
-              <a:ext uri="{FF2B5EF4-FFF2-40B4-BE49-F238E27FC236}">
-                <a16:creationId xmlns:a16="http://schemas.microsoft.com/office/drawing/2014/main" id="{32AF7896-186D-4227-A0D4-8DD8E925ED84}"/>
-              </a:ext>
-            </a:extLst>
-          </p:cNvPr>
+          <p:cNvPr id="4" name="文本占位符 3"/>
           <p:cNvSpPr>
             <a:spLocks noGrp="1"/>
           </p:cNvSpPr>
@@ -2653,18 +2303,13 @@
               <a:rPr lang="zh-CN" altLang="en-US"/>
               <a:t>单击此处编辑母版文本样式</a:t>
             </a:r>
-          </a:p>
-        </p:txBody>
-      </p:sp>
-      <p:sp>
-        <p:nvSpPr>
-          <p:cNvPr id="5" name="日期占位符 4">
-            <a:extLst>
-              <a:ext uri="{FF2B5EF4-FFF2-40B4-BE49-F238E27FC236}">
-                <a16:creationId xmlns:a16="http://schemas.microsoft.com/office/drawing/2014/main" id="{9D4FED6F-A91F-4F54-82E9-FB652C54058E}"/>
-              </a:ext>
-            </a:extLst>
-          </p:cNvPr>
+            <a:endParaRPr lang="zh-CN" altLang="en-US"/>
+          </a:p>
+        </p:txBody>
+      </p:sp>
+      <p:sp>
+        <p:nvSpPr>
+          <p:cNvPr id="5" name="日期占位符 4"/>
           <p:cNvSpPr>
             <a:spLocks noGrp="1"/>
           </p:cNvSpPr>
@@ -2679,7 +2324,6 @@
           <a:p>
             <a:fld id="{07BC0F4A-C851-4078-B1B9-0E453F007FCE}" type="datetimeFigureOut">
               <a:rPr lang="zh-CN" altLang="en-US" smtClean="0"/>
-              <a:t>2020/6/5</a:t>
             </a:fld>
             <a:endParaRPr lang="zh-CN" altLang="en-US"/>
           </a:p>
@@ -2687,13 +2331,7 @@
       </p:sp>
       <p:sp>
         <p:nvSpPr>
-          <p:cNvPr id="6" name="页脚占位符 5">
-            <a:extLst>
-              <a:ext uri="{FF2B5EF4-FFF2-40B4-BE49-F238E27FC236}">
-                <a16:creationId xmlns:a16="http://schemas.microsoft.com/office/drawing/2014/main" id="{844D082E-8995-4C9D-9000-866C2EE32F93}"/>
-              </a:ext>
-            </a:extLst>
-          </p:cNvPr>
+          <p:cNvPr id="6" name="页脚占位符 5"/>
           <p:cNvSpPr>
             <a:spLocks noGrp="1"/>
           </p:cNvSpPr>
@@ -2712,13 +2350,7 @@
       </p:sp>
       <p:sp>
         <p:nvSpPr>
-          <p:cNvPr id="7" name="灯片编号占位符 6">
-            <a:extLst>
-              <a:ext uri="{FF2B5EF4-FFF2-40B4-BE49-F238E27FC236}">
-                <a16:creationId xmlns:a16="http://schemas.microsoft.com/office/drawing/2014/main" id="{4C2E32EB-15DA-4C76-B667-EE398B543A8C}"/>
-              </a:ext>
-            </a:extLst>
-          </p:cNvPr>
+          <p:cNvPr id="7" name="灯片编号占位符 6"/>
           <p:cNvSpPr>
             <a:spLocks noGrp="1"/>
           </p:cNvSpPr>
@@ -2733,18 +2365,12 @@
           <a:p>
             <a:fld id="{CE29180E-2B15-4422-8464-9ED372F127D7}" type="slidenum">
               <a:rPr lang="zh-CN" altLang="en-US" smtClean="0"/>
-              <a:t>‹#›</a:t>
             </a:fld>
             <a:endParaRPr lang="zh-CN" altLang="en-US"/>
           </a:p>
         </p:txBody>
       </p:sp>
     </p:spTree>
-    <p:extLst>
-      <p:ext uri="{BB962C8B-B14F-4D97-AF65-F5344CB8AC3E}">
-        <p14:creationId xmlns:p14="http://schemas.microsoft.com/office/powerpoint/2010/main" val="2298026777"/>
-      </p:ext>
-    </p:extLst>
   </p:cSld>
   <p:clrMapOvr>
     <a:masterClrMapping/>
@@ -2776,13 +2402,7 @@
       </p:grpSpPr>
       <p:sp>
         <p:nvSpPr>
-          <p:cNvPr id="2" name="标题占位符 1">
-            <a:extLst>
-              <a:ext uri="{FF2B5EF4-FFF2-40B4-BE49-F238E27FC236}">
-                <a16:creationId xmlns:a16="http://schemas.microsoft.com/office/drawing/2014/main" id="{DE80CEB6-A15E-4C78-AAA6-8DD13E8D0844}"/>
-              </a:ext>
-            </a:extLst>
-          </p:cNvPr>
+          <p:cNvPr id="2" name="标题占位符 1"/>
           <p:cNvSpPr>
             <a:spLocks noGrp="1"/>
           </p:cNvSpPr>
@@ -2809,18 +2429,13 @@
               <a:rPr lang="zh-CN" altLang="en-US"/>
               <a:t>单击此处编辑母版标题样式</a:t>
             </a:r>
-          </a:p>
-        </p:txBody>
-      </p:sp>
-      <p:sp>
-        <p:nvSpPr>
-          <p:cNvPr id="3" name="文本占位符 2">
-            <a:extLst>
-              <a:ext uri="{FF2B5EF4-FFF2-40B4-BE49-F238E27FC236}">
-                <a16:creationId xmlns:a16="http://schemas.microsoft.com/office/drawing/2014/main" id="{BEAAC894-ABA2-411E-B2A6-82D19B3B2152}"/>
-              </a:ext>
-            </a:extLst>
-          </p:cNvPr>
+            <a:endParaRPr lang="zh-CN" altLang="en-US"/>
+          </a:p>
+        </p:txBody>
+      </p:sp>
+      <p:sp>
+        <p:nvSpPr>
+          <p:cNvPr id="3" name="文本占位符 2"/>
           <p:cNvSpPr>
             <a:spLocks noGrp="1"/>
           </p:cNvSpPr>
@@ -2848,6 +2463,7 @@
               <a:rPr lang="zh-CN" altLang="en-US"/>
               <a:t>单击此处编辑母版文本样式</a:t>
             </a:r>
+            <a:endParaRPr lang="zh-CN" altLang="en-US"/>
           </a:p>
           <a:p>
             <a:pPr lvl="1"/>
@@ -2855,6 +2471,7 @@
               <a:rPr lang="zh-CN" altLang="en-US"/>
               <a:t>二级</a:t>
             </a:r>
+            <a:endParaRPr lang="zh-CN" altLang="en-US"/>
           </a:p>
           <a:p>
             <a:pPr lvl="2"/>
@@ -2862,6 +2479,7 @@
               <a:rPr lang="zh-CN" altLang="en-US"/>
               <a:t>三级</a:t>
             </a:r>
+            <a:endParaRPr lang="zh-CN" altLang="en-US"/>
           </a:p>
           <a:p>
             <a:pPr lvl="3"/>
@@ -2869,6 +2487,7 @@
               <a:rPr lang="zh-CN" altLang="en-US"/>
               <a:t>四级</a:t>
             </a:r>
+            <a:endParaRPr lang="zh-CN" altLang="en-US"/>
           </a:p>
           <a:p>
             <a:pPr lvl="4"/>
@@ -2876,18 +2495,13 @@
               <a:rPr lang="zh-CN" altLang="en-US"/>
               <a:t>五级</a:t>
             </a:r>
-          </a:p>
-        </p:txBody>
-      </p:sp>
-      <p:sp>
-        <p:nvSpPr>
-          <p:cNvPr id="4" name="日期占位符 3">
-            <a:extLst>
-              <a:ext uri="{FF2B5EF4-FFF2-40B4-BE49-F238E27FC236}">
-                <a16:creationId xmlns:a16="http://schemas.microsoft.com/office/drawing/2014/main" id="{88D046E8-A5BB-49E7-AFBE-4BD418ADE2FC}"/>
-              </a:ext>
-            </a:extLst>
-          </p:cNvPr>
+            <a:endParaRPr lang="zh-CN" altLang="en-US"/>
+          </a:p>
+        </p:txBody>
+      </p:sp>
+      <p:sp>
+        <p:nvSpPr>
+          <p:cNvPr id="4" name="日期占位符 3"/>
           <p:cNvSpPr>
             <a:spLocks noGrp="1"/>
           </p:cNvSpPr>
@@ -2920,7 +2534,6 @@
           <a:p>
             <a:fld id="{07BC0F4A-C851-4078-B1B9-0E453F007FCE}" type="datetimeFigureOut">
               <a:rPr lang="zh-CN" altLang="en-US" smtClean="0"/>
-              <a:t>2020/6/5</a:t>
             </a:fld>
             <a:endParaRPr lang="zh-CN" altLang="en-US"/>
           </a:p>
@@ -2928,13 +2541,7 @@
       </p:sp>
       <p:sp>
         <p:nvSpPr>
-          <p:cNvPr id="5" name="页脚占位符 4">
-            <a:extLst>
-              <a:ext uri="{FF2B5EF4-FFF2-40B4-BE49-F238E27FC236}">
-                <a16:creationId xmlns:a16="http://schemas.microsoft.com/office/drawing/2014/main" id="{05D42C58-7D03-4594-9B16-62F80CB7EC7A}"/>
-              </a:ext>
-            </a:extLst>
-          </p:cNvPr>
+          <p:cNvPr id="5" name="页脚占位符 4"/>
           <p:cNvSpPr>
             <a:spLocks noGrp="1"/>
           </p:cNvSpPr>
@@ -2971,13 +2578,7 @@
       </p:sp>
       <p:sp>
         <p:nvSpPr>
-          <p:cNvPr id="6" name="灯片编号占位符 5">
-            <a:extLst>
-              <a:ext uri="{FF2B5EF4-FFF2-40B4-BE49-F238E27FC236}">
-                <a16:creationId xmlns:a16="http://schemas.microsoft.com/office/drawing/2014/main" id="{1649D341-323E-447A-A71F-9EF0E0C92389}"/>
-              </a:ext>
-            </a:extLst>
-          </p:cNvPr>
+          <p:cNvPr id="6" name="灯片编号占位符 5"/>
           <p:cNvSpPr>
             <a:spLocks noGrp="1"/>
           </p:cNvSpPr>
@@ -3010,18 +2611,12 @@
           <a:p>
             <a:fld id="{CE29180E-2B15-4422-8464-9ED372F127D7}" type="slidenum">
               <a:rPr lang="zh-CN" altLang="en-US" smtClean="0"/>
-              <a:t>‹#›</a:t>
             </a:fld>
             <a:endParaRPr lang="zh-CN" altLang="en-US"/>
           </a:p>
         </p:txBody>
       </p:sp>
     </p:spTree>
-    <p:extLst>
-      <p:ext uri="{BB962C8B-B14F-4D97-AF65-F5344CB8AC3E}">
-        <p14:creationId xmlns:p14="http://schemas.microsoft.com/office/powerpoint/2010/main" val="1073228095"/>
-      </p:ext>
-    </p:extLst>
   </p:cSld>
   <p:clrMap bg1="lt1" tx1="dk1" bg2="lt2" tx2="dk2" accent1="accent1" accent2="accent2" accent3="accent3" accent4="accent4" accent5="accent5" accent6="accent6" hlink="hlink" folHlink="folHlink"/>
   <p:sldLayoutIdLst>
@@ -3339,13 +2934,7 @@
       </p:grpSpPr>
       <p:sp>
         <p:nvSpPr>
-          <p:cNvPr id="2" name="标题 1">
-            <a:extLst>
-              <a:ext uri="{FF2B5EF4-FFF2-40B4-BE49-F238E27FC236}">
-                <a16:creationId xmlns:a16="http://schemas.microsoft.com/office/drawing/2014/main" id="{EF71466D-50D2-41B1-90B8-564AE2A9AB4F}"/>
-              </a:ext>
-            </a:extLst>
-          </p:cNvPr>
+          <p:cNvPr id="2" name="标题 1"/>
           <p:cNvSpPr>
             <a:spLocks noGrp="1"/>
           </p:cNvSpPr>
@@ -3362,15 +2951,11 @@
               <a:rPr lang="zh-CN" altLang="en-US" dirty="0"/>
               <a:t>前端性能</a:t>
             </a:r>
+            <a:endParaRPr lang="zh-CN" altLang="en-US" dirty="0"/>
           </a:p>
         </p:txBody>
       </p:sp>
     </p:spTree>
-    <p:extLst>
-      <p:ext uri="{BB962C8B-B14F-4D97-AF65-F5344CB8AC3E}">
-        <p14:creationId xmlns:p14="http://schemas.microsoft.com/office/powerpoint/2010/main" val="3398360001"/>
-      </p:ext>
-    </p:extLst>
   </p:cSld>
   <p:clrMapOvr>
     <a:masterClrMapping/>
@@ -3397,20 +2982,14 @@
       </p:grpSpPr>
       <p:pic>
         <p:nvPicPr>
-          <p:cNvPr id="3074" name="Picture 2">
-            <a:extLst>
-              <a:ext uri="{FF2B5EF4-FFF2-40B4-BE49-F238E27FC236}">
-                <a16:creationId xmlns:a16="http://schemas.microsoft.com/office/drawing/2014/main" id="{CDA9C014-7B1F-42D4-B821-05CBD1C7DF1D}"/>
-              </a:ext>
-            </a:extLst>
-          </p:cNvPr>
+          <p:cNvPr id="3074" name="Picture 2"/>
           <p:cNvPicPr>
             <a:picLocks noChangeAspect="1" noChangeArrowheads="1"/>
           </p:cNvPicPr>
           <p:nvPr/>
         </p:nvPicPr>
         <p:blipFill>
-          <a:blip r:embed="rId2">
+          <a:blip r:embed="rId1">
             <a:extLst>
               <a:ext uri="{28A0092B-C50C-407E-A947-70E740481C1C}">
                 <a14:useLocalDpi xmlns:a14="http://schemas.microsoft.com/office/drawing/2010/main" val="0"/>
@@ -3444,20 +3023,14 @@
       </p:pic>
       <p:sp>
         <p:nvSpPr>
-          <p:cNvPr id="2" name="文本框 1">
-            <a:extLst>
-              <a:ext uri="{FF2B5EF4-FFF2-40B4-BE49-F238E27FC236}">
-                <a16:creationId xmlns:a16="http://schemas.microsoft.com/office/drawing/2014/main" id="{77EB3912-D5FD-4989-9D96-7C2961CDAA93}"/>
-              </a:ext>
-            </a:extLst>
-          </p:cNvPr>
+          <p:cNvPr id="2" name="文本框 1"/>
           <p:cNvSpPr txBox="1"/>
           <p:nvPr/>
         </p:nvSpPr>
         <p:spPr>
           <a:xfrm>
             <a:off x="866775" y="6219825"/>
-            <a:ext cx="7315200" cy="369332"/>
+            <a:ext cx="8125460" cy="368300"/>
           </a:xfrm>
           <a:prstGeom prst="rect">
             <a:avLst/>
@@ -3472,7 +3045,7 @@
           <a:p>
             <a:r>
               <a:rPr lang="en-US" altLang="zh-CN" dirty="0">
-                <a:hlinkClick r:id="rId3"/>
+                <a:hlinkClick r:id="rId2"/>
               </a:rPr>
               <a:t>https://www.html5rocks.com/zh/tutorials/internals/howbrowserswork/</a:t>
             </a:r>
@@ -3481,11 +3054,6 @@
         </p:txBody>
       </p:sp>
     </p:spTree>
-    <p:extLst>
-      <p:ext uri="{BB962C8B-B14F-4D97-AF65-F5344CB8AC3E}">
-        <p14:creationId xmlns:p14="http://schemas.microsoft.com/office/powerpoint/2010/main" val="1412086406"/>
-      </p:ext>
-    </p:extLst>
   </p:cSld>
   <p:clrMapOvr>
     <a:masterClrMapping/>
@@ -3512,20 +3080,14 @@
       </p:grpSpPr>
       <p:pic>
         <p:nvPicPr>
-          <p:cNvPr id="4" name="Picture 4" descr="将 DOM 与 CSSOM 合并以形成渲染树">
-            <a:extLst>
-              <a:ext uri="{FF2B5EF4-FFF2-40B4-BE49-F238E27FC236}">
-                <a16:creationId xmlns:a16="http://schemas.microsoft.com/office/drawing/2014/main" id="{5AB23E8D-3CF1-4455-A3E5-F172031DE281}"/>
-              </a:ext>
-            </a:extLst>
-          </p:cNvPr>
+          <p:cNvPr id="4" name="Picture 4" descr="将 DOM 与 CSSOM 合并以形成渲染树"/>
           <p:cNvPicPr>
             <a:picLocks noChangeAspect="1" noChangeArrowheads="1"/>
           </p:cNvPicPr>
           <p:nvPr/>
         </p:nvPicPr>
         <p:blipFill>
-          <a:blip r:embed="rId2">
+          <a:blip r:embed="rId1">
             <a:extLst>
               <a:ext uri="{28A0092B-C50C-407E-A947-70E740481C1C}">
                 <a14:useLocalDpi xmlns:a14="http://schemas.microsoft.com/office/drawing/2010/main" val="0"/>
@@ -3559,13 +3121,7 @@
       </p:pic>
       <p:sp>
         <p:nvSpPr>
-          <p:cNvPr id="2" name="矩形 1">
-            <a:extLst>
-              <a:ext uri="{FF2B5EF4-FFF2-40B4-BE49-F238E27FC236}">
-                <a16:creationId xmlns:a16="http://schemas.microsoft.com/office/drawing/2014/main" id="{A53414EF-B7F6-44A4-A34A-80ABE0D1E112}"/>
-              </a:ext>
-            </a:extLst>
-          </p:cNvPr>
+          <p:cNvPr id="2" name="矩形 1"/>
           <p:cNvSpPr/>
           <p:nvPr/>
         </p:nvSpPr>
@@ -3586,7 +3142,7 @@
           <a:p>
             <a:r>
               <a:rPr lang="en-US" altLang="zh-CN" dirty="0">
-                <a:hlinkClick r:id="rId3"/>
+                <a:hlinkClick r:id="rId2"/>
               </a:rPr>
               <a:t>https://github.com/dzgcsmthmt/practice/blob/master/img/gecko%20_reflow_visualization.gif</a:t>
             </a:r>
@@ -3595,11 +3151,6 @@
         </p:txBody>
       </p:sp>
     </p:spTree>
-    <p:extLst>
-      <p:ext uri="{BB962C8B-B14F-4D97-AF65-F5344CB8AC3E}">
-        <p14:creationId xmlns:p14="http://schemas.microsoft.com/office/powerpoint/2010/main" val="390405956"/>
-      </p:ext>
-    </p:extLst>
   </p:cSld>
   <p:clrMapOvr>
     <a:masterClrMapping/>
@@ -3626,13 +3177,7 @@
       </p:grpSpPr>
       <p:sp>
         <p:nvSpPr>
-          <p:cNvPr id="4" name="文本框 3">
-            <a:extLst>
-              <a:ext uri="{FF2B5EF4-FFF2-40B4-BE49-F238E27FC236}">
-                <a16:creationId xmlns:a16="http://schemas.microsoft.com/office/drawing/2014/main" id="{811A0DA7-F180-4168-BDB3-5D725B30D7B2}"/>
-              </a:ext>
-            </a:extLst>
-          </p:cNvPr>
+          <p:cNvPr id="4" name="文本框 3"/>
           <p:cNvSpPr txBox="1"/>
           <p:nvPr/>
         </p:nvSpPr>
@@ -3747,6 +3292,7 @@
               <a:rPr lang="en-US" altLang="zh-CN" sz="2000" dirty="0"/>
               <a:t>box-shadow &amp; filter</a:t>
             </a:r>
+            <a:endParaRPr lang="en-US" altLang="zh-CN" sz="2000" dirty="0"/>
           </a:p>
           <a:p>
             <a:pPr marL="285750" indent="-285750">
@@ -3772,6 +3318,7 @@
               <a:rPr lang="en-US" altLang="zh-CN" sz="2000" dirty="0"/>
               <a:t>grid</a:t>
             </a:r>
+            <a:endParaRPr lang="en-US" altLang="zh-CN" sz="2000" dirty="0"/>
           </a:p>
           <a:p>
             <a:pPr marL="285750" indent="-285750">
@@ -3785,6 +3332,7 @@
               <a:rPr lang="zh-CN" altLang="en-US" sz="2000" dirty="0"/>
               <a:t>避免大型、复杂的布局和布局抖动</a:t>
             </a:r>
+            <a:endParaRPr lang="zh-CN" altLang="en-US" sz="2000" dirty="0"/>
           </a:p>
           <a:p>
             <a:pPr marL="285750" indent="-285750">
@@ -3808,13 +3356,7 @@
       </p:sp>
       <p:sp>
         <p:nvSpPr>
-          <p:cNvPr id="6" name="矩形 5">
-            <a:extLst>
-              <a:ext uri="{FF2B5EF4-FFF2-40B4-BE49-F238E27FC236}">
-                <a16:creationId xmlns:a16="http://schemas.microsoft.com/office/drawing/2014/main" id="{294CEF5C-45B3-4252-8FC3-2E69A3E2C038}"/>
-              </a:ext>
-            </a:extLst>
-          </p:cNvPr>
+          <p:cNvPr id="6" name="矩形 5"/>
           <p:cNvSpPr/>
           <p:nvPr/>
         </p:nvSpPr>
@@ -3835,17 +3377,17 @@
           <a:p>
             <a:r>
               <a:rPr lang="en-US" altLang="zh-CN" dirty="0">
+                <a:hlinkClick r:id="rId1"/>
+              </a:rPr>
+              <a:t>https://developers.google.com/web/fundamentals/performance/rendering/reduce-the-scope-and-complexity-of-style-calculations</a:t>
+            </a:r>
+            <a:endParaRPr lang="en-US" altLang="zh-CN" dirty="0"/>
+          </a:p>
+          <a:p>
+            <a:r>
+              <a:rPr lang="en-US" altLang="zh-CN" dirty="0">
                 <a:hlinkClick r:id="rId2"/>
               </a:rPr>
-              <a:t>https://developers.google.com/web/fundamentals/performance/rendering/reduce-the-scope-and-complexity-of-style-calculations</a:t>
-            </a:r>
-            <a:endParaRPr lang="en-US" altLang="zh-CN" dirty="0"/>
-          </a:p>
-          <a:p>
-            <a:r>
-              <a:rPr lang="en-US" altLang="zh-CN" dirty="0">
-                <a:hlinkClick r:id="rId3"/>
-              </a:rPr>
               <a:t>https://www.html5rocks.com/ko/tutorials/speed/css-paint-times/</a:t>
             </a:r>
             <a:endParaRPr lang="zh-CN" altLang="en-US" dirty="0"/>
@@ -3854,13 +3396,48 @@
       </p:sp>
       <p:pic>
         <p:nvPicPr>
-          <p:cNvPr id="2051" name="Picture 3" descr="测试中所有排列的时间值">
+          <p:cNvPr id="2051" name="Picture 3" descr="测试中所有排列的时间值"/>
+          <p:cNvPicPr>
+            <a:picLocks noChangeAspect="1" noChangeArrowheads="1"/>
+          </p:cNvPicPr>
+          <p:nvPr/>
+        </p:nvPicPr>
+        <p:blipFill>
+          <a:blip r:embed="rId3">
             <a:extLst>
-              <a:ext uri="{FF2B5EF4-FFF2-40B4-BE49-F238E27FC236}">
-                <a16:creationId xmlns:a16="http://schemas.microsoft.com/office/drawing/2014/main" id="{A2A10B0A-1E8F-4762-815D-07905E2DFC0F}"/>
+              <a:ext uri="{28A0092B-C50C-407E-A947-70E740481C1C}">
+                <a14:useLocalDpi xmlns:a14="http://schemas.microsoft.com/office/drawing/2010/main" val="0"/>
               </a:ext>
             </a:extLst>
-          </p:cNvPr>
+          </a:blip>
+          <a:srcRect/>
+          <a:stretch>
+            <a:fillRect/>
+          </a:stretch>
+        </p:blipFill>
+        <p:spPr bwMode="auto">
+          <a:xfrm>
+            <a:off x="2505076" y="3531485"/>
+            <a:ext cx="2248163" cy="2160000"/>
+          </a:xfrm>
+          <a:prstGeom prst="rect">
+            <a:avLst/>
+          </a:prstGeom>
+          <a:noFill/>
+          <a:extLst>
+            <a:ext uri="{909E8E84-426E-40DD-AFC4-6F175D3DCCD1}">
+              <a14:hiddenFill xmlns:a14="http://schemas.microsoft.com/office/drawing/2010/main">
+                <a:solidFill>
+                  <a:srgbClr val="FFFFFF"/>
+                </a:solidFill>
+              </a14:hiddenFill>
+            </a:ext>
+          </a:extLst>
+        </p:spPr>
+      </p:pic>
+      <p:pic>
+        <p:nvPicPr>
+          <p:cNvPr id="2053" name="Picture 5" descr="测试中所有排列的时间值"/>
           <p:cNvPicPr>
             <a:picLocks noChangeAspect="1" noChangeArrowheads="1"/>
           </p:cNvPicPr>
@@ -3881,8 +3458,8 @@
         </p:blipFill>
         <p:spPr bwMode="auto">
           <a:xfrm>
-            <a:off x="2505076" y="3531485"/>
-            <a:ext cx="2248163" cy="2160000"/>
+            <a:off x="5754615" y="3531485"/>
+            <a:ext cx="3588158" cy="2160000"/>
           </a:xfrm>
           <a:prstGeom prst="rect">
             <a:avLst/>
@@ -3899,59 +3476,7 @@
           </a:extLst>
         </p:spPr>
       </p:pic>
-      <p:pic>
-        <p:nvPicPr>
-          <p:cNvPr id="2053" name="Picture 5" descr="测试中所有排列的时间值">
-            <a:extLst>
-              <a:ext uri="{FF2B5EF4-FFF2-40B4-BE49-F238E27FC236}">
-                <a16:creationId xmlns:a16="http://schemas.microsoft.com/office/drawing/2014/main" id="{CD63AC67-81F2-4823-B0A1-1EE9D6D697D2}"/>
-              </a:ext>
-            </a:extLst>
-          </p:cNvPr>
-          <p:cNvPicPr>
-            <a:picLocks noChangeAspect="1" noChangeArrowheads="1"/>
-          </p:cNvPicPr>
-          <p:nvPr/>
-        </p:nvPicPr>
-        <p:blipFill>
-          <a:blip r:embed="rId5">
-            <a:extLst>
-              <a:ext uri="{28A0092B-C50C-407E-A947-70E740481C1C}">
-                <a14:useLocalDpi xmlns:a14="http://schemas.microsoft.com/office/drawing/2010/main" val="0"/>
-              </a:ext>
-            </a:extLst>
-          </a:blip>
-          <a:srcRect/>
-          <a:stretch>
-            <a:fillRect/>
-          </a:stretch>
-        </p:blipFill>
-        <p:spPr bwMode="auto">
-          <a:xfrm>
-            <a:off x="5754615" y="3531485"/>
-            <a:ext cx="3588158" cy="2160000"/>
-          </a:xfrm>
-          <a:prstGeom prst="rect">
-            <a:avLst/>
-          </a:prstGeom>
-          <a:noFill/>
-          <a:extLst>
-            <a:ext uri="{909E8E84-426E-40DD-AFC4-6F175D3DCCD1}">
-              <a14:hiddenFill xmlns:a14="http://schemas.microsoft.com/office/drawing/2010/main">
-                <a:solidFill>
-                  <a:srgbClr val="FFFFFF"/>
-                </a:solidFill>
-              </a14:hiddenFill>
-            </a:ext>
-          </a:extLst>
-        </p:spPr>
-      </p:pic>
     </p:spTree>
-    <p:extLst>
-      <p:ext uri="{BB962C8B-B14F-4D97-AF65-F5344CB8AC3E}">
-        <p14:creationId xmlns:p14="http://schemas.microsoft.com/office/powerpoint/2010/main" val="2171637827"/>
-      </p:ext>
-    </p:extLst>
   </p:cSld>
   <p:clrMapOvr>
     <a:masterClrMapping/>
@@ -3978,20 +3503,14 @@
       </p:grpSpPr>
       <p:pic>
         <p:nvPicPr>
-          <p:cNvPr id="4" name="图片 3">
-            <a:extLst>
-              <a:ext uri="{FF2B5EF4-FFF2-40B4-BE49-F238E27FC236}">
-                <a16:creationId xmlns:a16="http://schemas.microsoft.com/office/drawing/2014/main" id="{96E407BB-2264-44DD-BA31-F6A8C566A0F6}"/>
-              </a:ext>
-            </a:extLst>
-          </p:cNvPr>
+          <p:cNvPr id="4" name="图片 3"/>
           <p:cNvPicPr>
             <a:picLocks noChangeAspect="1"/>
           </p:cNvPicPr>
           <p:nvPr/>
         </p:nvPicPr>
         <p:blipFill>
-          <a:blip r:embed="rId2"/>
+          <a:blip r:embed="rId1"/>
           <a:stretch>
             <a:fillRect/>
           </a:stretch>
@@ -4008,13 +3527,7 @@
       </p:pic>
       <p:sp>
         <p:nvSpPr>
-          <p:cNvPr id="7" name="文本框 6">
-            <a:extLst>
-              <a:ext uri="{FF2B5EF4-FFF2-40B4-BE49-F238E27FC236}">
-                <a16:creationId xmlns:a16="http://schemas.microsoft.com/office/drawing/2014/main" id="{965371D1-A153-44FA-93C8-C08010FCE381}"/>
-              </a:ext>
-            </a:extLst>
-          </p:cNvPr>
+          <p:cNvPr id="7" name="文本框 6"/>
           <p:cNvSpPr txBox="1"/>
           <p:nvPr/>
         </p:nvSpPr>
@@ -4087,6 +3600,7 @@
               <a:rPr lang="en-US" altLang="zh-CN" sz="2000" dirty="0"/>
               <a:t>CDN</a:t>
             </a:r>
+            <a:endParaRPr lang="en-US" altLang="zh-CN" sz="2000" dirty="0"/>
           </a:p>
           <a:p>
             <a:pPr marL="285750" indent="-285750">
@@ -4250,6 +3764,7 @@
               <a:rPr lang="en-US" altLang="zh-CN" sz="2000" dirty="0"/>
               <a:t>CSS</a:t>
             </a:r>
+            <a:endParaRPr lang="en-US" altLang="zh-CN" sz="2000" dirty="0"/>
           </a:p>
           <a:p>
             <a:pPr marL="285750" indent="-285750">
@@ -4305,6 +3820,7 @@
               <a:rPr lang="en-US" altLang="zh-CN" sz="2000" dirty="0"/>
               <a:t>JavaScript</a:t>
             </a:r>
+            <a:endParaRPr lang="en-US" altLang="zh-CN" sz="2000" dirty="0"/>
           </a:p>
           <a:p>
             <a:pPr marL="285750" indent="-285750">
@@ -4404,15 +3920,11 @@
               <a:rPr lang="zh-CN" altLang="en-US" sz="2000" dirty="0"/>
               <a:t>可缓存</a:t>
             </a:r>
+            <a:endParaRPr lang="zh-CN" altLang="en-US" sz="2000" dirty="0"/>
           </a:p>
         </p:txBody>
       </p:sp>
     </p:spTree>
-    <p:extLst>
-      <p:ext uri="{BB962C8B-B14F-4D97-AF65-F5344CB8AC3E}">
-        <p14:creationId xmlns:p14="http://schemas.microsoft.com/office/powerpoint/2010/main" val="3620657116"/>
-      </p:ext>
-    </p:extLst>
   </p:cSld>
   <p:clrMapOvr>
     <a:masterClrMapping/>
@@ -4439,13 +3951,7 @@
       </p:grpSpPr>
       <p:sp>
         <p:nvSpPr>
-          <p:cNvPr id="4" name="文本框 3">
-            <a:extLst>
-              <a:ext uri="{FF2B5EF4-FFF2-40B4-BE49-F238E27FC236}">
-                <a16:creationId xmlns:a16="http://schemas.microsoft.com/office/drawing/2014/main" id="{EAC00983-F4D9-4021-B355-991DD5F1B8CF}"/>
-              </a:ext>
-            </a:extLst>
-          </p:cNvPr>
+          <p:cNvPr id="4" name="文本框 3"/>
           <p:cNvSpPr txBox="1"/>
           <p:nvPr/>
         </p:nvSpPr>
@@ -4469,18 +3975,13 @@
               <a:rPr lang="zh-CN" altLang="en-US" sz="4800" dirty="0"/>
               <a:t>加载</a:t>
             </a:r>
-          </a:p>
-        </p:txBody>
-      </p:sp>
-      <p:sp>
-        <p:nvSpPr>
-          <p:cNvPr id="5" name="文本框 4">
-            <a:extLst>
-              <a:ext uri="{FF2B5EF4-FFF2-40B4-BE49-F238E27FC236}">
-                <a16:creationId xmlns:a16="http://schemas.microsoft.com/office/drawing/2014/main" id="{4549E470-69AA-4116-AB0E-BA0ECC4C00D1}"/>
-              </a:ext>
-            </a:extLst>
-          </p:cNvPr>
+            <a:endParaRPr lang="zh-CN" altLang="en-US" sz="4800" dirty="0"/>
+          </a:p>
+        </p:txBody>
+      </p:sp>
+      <p:sp>
+        <p:nvSpPr>
+          <p:cNvPr id="5" name="文本框 4"/>
           <p:cNvSpPr txBox="1"/>
           <p:nvPr/>
         </p:nvSpPr>
@@ -4504,18 +4005,13 @@
               <a:rPr lang="zh-CN" altLang="en-US" sz="4800" dirty="0"/>
               <a:t>渲染</a:t>
             </a:r>
-          </a:p>
-        </p:txBody>
-      </p:sp>
-      <p:sp>
-        <p:nvSpPr>
-          <p:cNvPr id="6" name="文本框 5">
-            <a:extLst>
-              <a:ext uri="{FF2B5EF4-FFF2-40B4-BE49-F238E27FC236}">
-                <a16:creationId xmlns:a16="http://schemas.microsoft.com/office/drawing/2014/main" id="{DC911936-006E-4D20-8BAA-B3EF0EDA9DF2}"/>
-              </a:ext>
-            </a:extLst>
-          </p:cNvPr>
+            <a:endParaRPr lang="zh-CN" altLang="en-US" sz="4800" dirty="0"/>
+          </a:p>
+        </p:txBody>
+      </p:sp>
+      <p:sp>
+        <p:nvSpPr>
+          <p:cNvPr id="6" name="文本框 5"/>
           <p:cNvSpPr txBox="1"/>
           <p:nvPr/>
         </p:nvSpPr>
@@ -4539,18 +4035,13 @@
               <a:rPr lang="zh-CN" altLang="en-US" sz="3600" dirty="0"/>
               <a:t>越少越好</a:t>
             </a:r>
-          </a:p>
-        </p:txBody>
-      </p:sp>
-      <p:sp>
-        <p:nvSpPr>
-          <p:cNvPr id="7" name="文本框 6">
-            <a:extLst>
-              <a:ext uri="{FF2B5EF4-FFF2-40B4-BE49-F238E27FC236}">
-                <a16:creationId xmlns:a16="http://schemas.microsoft.com/office/drawing/2014/main" id="{8040986C-0DA6-4B78-B7A2-2140F554C53B}"/>
-              </a:ext>
-            </a:extLst>
-          </p:cNvPr>
+            <a:endParaRPr lang="zh-CN" altLang="en-US" sz="3600" dirty="0"/>
+          </a:p>
+        </p:txBody>
+      </p:sp>
+      <p:sp>
+        <p:nvSpPr>
+          <p:cNvPr id="7" name="文本框 6"/>
           <p:cNvSpPr txBox="1"/>
           <p:nvPr/>
         </p:nvSpPr>
@@ -4574,18 +4065,13 @@
               <a:rPr lang="zh-CN" altLang="en-US" sz="3600" dirty="0"/>
               <a:t>越快越好</a:t>
             </a:r>
-          </a:p>
-        </p:txBody>
-      </p:sp>
-      <p:sp>
-        <p:nvSpPr>
-          <p:cNvPr id="8" name="文本框 7">
-            <a:extLst>
-              <a:ext uri="{FF2B5EF4-FFF2-40B4-BE49-F238E27FC236}">
-                <a16:creationId xmlns:a16="http://schemas.microsoft.com/office/drawing/2014/main" id="{EF7212D5-DD2D-437F-90AA-9A2936208800}"/>
-              </a:ext>
-            </a:extLst>
-          </p:cNvPr>
+            <a:endParaRPr lang="zh-CN" altLang="en-US" sz="3600" dirty="0"/>
+          </a:p>
+        </p:txBody>
+      </p:sp>
+      <p:sp>
+        <p:nvSpPr>
+          <p:cNvPr id="8" name="文本框 7"/>
           <p:cNvSpPr txBox="1"/>
           <p:nvPr/>
         </p:nvSpPr>
@@ -4622,13 +4108,7 @@
       </p:sp>
       <p:sp>
         <p:nvSpPr>
-          <p:cNvPr id="9" name="文本框 8">
-            <a:extLst>
-              <a:ext uri="{FF2B5EF4-FFF2-40B4-BE49-F238E27FC236}">
-                <a16:creationId xmlns:a16="http://schemas.microsoft.com/office/drawing/2014/main" id="{A826193F-BA6B-46D0-9E48-5976FC6070AA}"/>
-              </a:ext>
-            </a:extLst>
-          </p:cNvPr>
+          <p:cNvPr id="9" name="文本框 8"/>
           <p:cNvSpPr txBox="1"/>
           <p:nvPr/>
         </p:nvSpPr>
@@ -4671,6 +4151,7 @@
               <a:rPr lang="en-US" altLang="zh-CN" b="1" dirty="0"/>
               <a:t>-webpack-plugin</a:t>
             </a:r>
+            <a:endParaRPr lang="en-US" altLang="zh-CN" b="1" dirty="0"/>
           </a:p>
           <a:p>
             <a:pPr marL="285750" indent="-285750">
@@ -4681,6 +4162,7 @@
               <a:rPr lang="en-US" altLang="zh-CN" b="1" dirty="0"/>
               <a:t>Tree Shaking</a:t>
             </a:r>
+            <a:endParaRPr lang="en-US" altLang="zh-CN" b="1" dirty="0"/>
           </a:p>
           <a:p>
             <a:pPr marL="285750" indent="-285750">
@@ -4702,6 +4184,7 @@
               <a:rPr lang="en-US" altLang="zh-CN" b="1" dirty="0"/>
               <a:t>Code Splitting</a:t>
             </a:r>
+            <a:endParaRPr lang="en-US" altLang="zh-CN" b="1" dirty="0"/>
           </a:p>
           <a:p>
             <a:pPr marL="285750" indent="-285750">
@@ -4737,13 +4220,7 @@
       </p:sp>
       <p:sp>
         <p:nvSpPr>
-          <p:cNvPr id="2" name="文本框 1">
-            <a:extLst>
-              <a:ext uri="{FF2B5EF4-FFF2-40B4-BE49-F238E27FC236}">
-                <a16:creationId xmlns:a16="http://schemas.microsoft.com/office/drawing/2014/main" id="{D4D2A275-5255-4F62-91F4-FF05DEAC375F}"/>
-              </a:ext>
-            </a:extLst>
-          </p:cNvPr>
+          <p:cNvPr id="2" name="文本框 1"/>
           <p:cNvSpPr txBox="1"/>
           <p:nvPr/>
         </p:nvSpPr>
@@ -4874,13 +4351,7 @@
       </p:sp>
       <p:sp>
         <p:nvSpPr>
-          <p:cNvPr id="3" name="文本框 2">
-            <a:extLst>
-              <a:ext uri="{FF2B5EF4-FFF2-40B4-BE49-F238E27FC236}">
-                <a16:creationId xmlns:a16="http://schemas.microsoft.com/office/drawing/2014/main" id="{A948108D-A835-4803-9C5E-72357B34E1FD}"/>
-              </a:ext>
-            </a:extLst>
-          </p:cNvPr>
+          <p:cNvPr id="3" name="文本框 2"/>
           <p:cNvSpPr txBox="1"/>
           <p:nvPr/>
         </p:nvSpPr>
@@ -4925,6 +4396,7 @@
               <a:rPr lang="en-US" altLang="zh-CN" dirty="0"/>
               <a:t>base64</a:t>
             </a:r>
+            <a:endParaRPr lang="en-US" altLang="zh-CN" dirty="0"/>
           </a:p>
           <a:p>
             <a:r>
@@ -4953,15 +4425,11 @@
               <a:rPr lang="en-US" altLang="zh-CN" dirty="0"/>
               <a:t>http2</a:t>
             </a:r>
+            <a:endParaRPr lang="en-US" altLang="zh-CN" dirty="0"/>
           </a:p>
         </p:txBody>
       </p:sp>
     </p:spTree>
-    <p:extLst>
-      <p:ext uri="{BB962C8B-B14F-4D97-AF65-F5344CB8AC3E}">
-        <p14:creationId xmlns:p14="http://schemas.microsoft.com/office/powerpoint/2010/main" val="2125288444"/>
-      </p:ext>
-    </p:extLst>
   </p:cSld>
   <p:clrMapOvr>
     <a:masterClrMapping/>
@@ -4988,13 +4456,7 @@
       </p:grpSpPr>
       <p:sp>
         <p:nvSpPr>
-          <p:cNvPr id="2" name="标题 1">
-            <a:extLst>
-              <a:ext uri="{FF2B5EF4-FFF2-40B4-BE49-F238E27FC236}">
-                <a16:creationId xmlns:a16="http://schemas.microsoft.com/office/drawing/2014/main" id="{8F34DF58-AD53-42C0-B643-274B8E045205}"/>
-              </a:ext>
-            </a:extLst>
-          </p:cNvPr>
+          <p:cNvPr id="2" name="标题 1"/>
           <p:cNvSpPr>
             <a:spLocks noGrp="1"/>
           </p:cNvSpPr>
@@ -5022,20 +4484,14 @@
       </p:sp>
       <p:pic>
         <p:nvPicPr>
-          <p:cNvPr id="5" name="图片 4">
-            <a:extLst>
-              <a:ext uri="{FF2B5EF4-FFF2-40B4-BE49-F238E27FC236}">
-                <a16:creationId xmlns:a16="http://schemas.microsoft.com/office/drawing/2014/main" id="{19EE7E74-1C82-42C7-9FE4-3B5DD5B29DE3}"/>
-              </a:ext>
-            </a:extLst>
-          </p:cNvPr>
+          <p:cNvPr id="5" name="图片 4"/>
           <p:cNvPicPr>
             <a:picLocks noChangeAspect="1"/>
           </p:cNvPicPr>
           <p:nvPr/>
         </p:nvPicPr>
         <p:blipFill>
-          <a:blip r:embed="rId2">
+          <a:blip r:embed="rId1">
             <a:extLst>
               <a:ext uri="{28A0092B-C50C-407E-A947-70E740481C1C}">
                 <a14:useLocalDpi xmlns:a14="http://schemas.microsoft.com/office/drawing/2010/main" val="0"/>
@@ -5058,13 +4514,7 @@
       </p:pic>
       <p:sp>
         <p:nvSpPr>
-          <p:cNvPr id="6" name="文本框 5">
-            <a:extLst>
-              <a:ext uri="{FF2B5EF4-FFF2-40B4-BE49-F238E27FC236}">
-                <a16:creationId xmlns:a16="http://schemas.microsoft.com/office/drawing/2014/main" id="{BA0A17B9-A99F-41BF-821D-27782C4BD913}"/>
-              </a:ext>
-            </a:extLst>
-          </p:cNvPr>
+          <p:cNvPr id="6" name="文本框 5"/>
           <p:cNvSpPr txBox="1"/>
           <p:nvPr/>
         </p:nvSpPr>
@@ -5086,17 +4536,17 @@
           <a:p>
             <a:r>
               <a:rPr lang="en-US" altLang="zh-CN" dirty="0">
+                <a:hlinkClick r:id="rId2"/>
+              </a:rPr>
+              <a:t>https://developer.mozilla.org/zh-CN/docs/Web/API/PerformanceTiming</a:t>
+            </a:r>
+            <a:endParaRPr lang="en-US" altLang="zh-CN" dirty="0"/>
+          </a:p>
+          <a:p>
+            <a:r>
+              <a:rPr lang="en-US" altLang="zh-CN" dirty="0">
                 <a:hlinkClick r:id="rId3"/>
               </a:rPr>
-              <a:t>https://developer.mozilla.org/zh-CN/docs/Web/API/PerformanceTiming</a:t>
-            </a:r>
-            <a:endParaRPr lang="en-US" altLang="zh-CN" dirty="0"/>
-          </a:p>
-          <a:p>
-            <a:r>
-              <a:rPr lang="en-US" altLang="zh-CN" dirty="0">
-                <a:hlinkClick r:id="rId4"/>
-              </a:rPr>
               <a:t>https://github.com/Tencent/vConsole/blob/dev/src/log/system.js</a:t>
             </a:r>
             <a:endParaRPr lang="zh-CN" altLang="en-US" dirty="0"/>
@@ -5104,11 +4554,6 @@
         </p:txBody>
       </p:sp>
     </p:spTree>
-    <p:extLst>
-      <p:ext uri="{BB962C8B-B14F-4D97-AF65-F5344CB8AC3E}">
-        <p14:creationId xmlns:p14="http://schemas.microsoft.com/office/powerpoint/2010/main" val="3829815917"/>
-      </p:ext>
-    </p:extLst>
   </p:cSld>
   <p:clrMapOvr>
     <a:masterClrMapping/>
@@ -5135,13 +4580,7 @@
       </p:grpSpPr>
       <p:sp>
         <p:nvSpPr>
-          <p:cNvPr id="2" name="标题 1">
-            <a:extLst>
-              <a:ext uri="{FF2B5EF4-FFF2-40B4-BE49-F238E27FC236}">
-                <a16:creationId xmlns:a16="http://schemas.microsoft.com/office/drawing/2014/main" id="{3D7837F5-BB11-431E-8202-8D05CEDD5D1A}"/>
-              </a:ext>
-            </a:extLst>
-          </p:cNvPr>
+          <p:cNvPr id="2" name="标题 1"/>
           <p:cNvSpPr>
             <a:spLocks noGrp="1"/>
           </p:cNvSpPr>
@@ -5163,25 +4602,20 @@
               <a:rPr lang="zh-CN" altLang="en-US" dirty="0"/>
               <a:t>图像优化</a:t>
             </a:r>
+            <a:endParaRPr lang="zh-CN" altLang="en-US" dirty="0"/>
           </a:p>
         </p:txBody>
       </p:sp>
       <p:pic>
         <p:nvPicPr>
-          <p:cNvPr id="3074" name="Picture 2" descr="Save for web">
-            <a:extLst>
-              <a:ext uri="{FF2B5EF4-FFF2-40B4-BE49-F238E27FC236}">
-                <a16:creationId xmlns:a16="http://schemas.microsoft.com/office/drawing/2014/main" id="{20610619-5B19-4949-A8CC-FD136A5A39A2}"/>
-              </a:ext>
-            </a:extLst>
-          </p:cNvPr>
+          <p:cNvPr id="3074" name="Picture 2" descr="Save for web"/>
           <p:cNvPicPr>
             <a:picLocks noChangeAspect="1" noChangeArrowheads="1"/>
           </p:cNvPicPr>
           <p:nvPr/>
         </p:nvPicPr>
         <p:blipFill>
-          <a:blip r:embed="rId2">
+          <a:blip r:embed="rId1">
             <a:extLst>
               <a:ext uri="{28A0092B-C50C-407E-A947-70E740481C1C}">
                 <a14:useLocalDpi xmlns:a14="http://schemas.microsoft.com/office/drawing/2010/main" val="0"/>
@@ -5215,13 +4649,7 @@
       </p:pic>
       <p:sp>
         <p:nvSpPr>
-          <p:cNvPr id="4" name="文本框 3">
-            <a:extLst>
-              <a:ext uri="{FF2B5EF4-FFF2-40B4-BE49-F238E27FC236}">
-                <a16:creationId xmlns:a16="http://schemas.microsoft.com/office/drawing/2014/main" id="{CE80C311-7EE7-4446-97F6-E57ACA3D09A5}"/>
-              </a:ext>
-            </a:extLst>
-          </p:cNvPr>
+          <p:cNvPr id="4" name="文本框 3"/>
           <p:cNvSpPr txBox="1"/>
           <p:nvPr/>
         </p:nvSpPr>
@@ -5308,6 +4736,7 @@
               <a:rPr lang="en-US" altLang="zh-CN" sz="2400" dirty="0"/>
               <a:t>JPEG XR</a:t>
             </a:r>
+            <a:endParaRPr lang="en-US" altLang="zh-CN" sz="2400" dirty="0"/>
           </a:p>
           <a:p>
             <a:pPr marL="285750" indent="-285750">
@@ -5325,6 +4754,7 @@
               <a:rPr lang="en-US" altLang="zh-CN" sz="2400" dirty="0"/>
               <a:t>gif</a:t>
             </a:r>
+            <a:endParaRPr lang="en-US" altLang="zh-CN" sz="2400" dirty="0"/>
           </a:p>
           <a:p>
             <a:pPr marL="285750" indent="-285750">
@@ -5338,18 +4768,13 @@
               <a:rPr lang="zh-CN" altLang="en-US" sz="2400" dirty="0"/>
               <a:t>延迟加载图像和视频</a:t>
             </a:r>
-          </a:p>
-        </p:txBody>
-      </p:sp>
-      <p:sp>
-        <p:nvSpPr>
-          <p:cNvPr id="5" name="矩形 4">
-            <a:extLst>
-              <a:ext uri="{FF2B5EF4-FFF2-40B4-BE49-F238E27FC236}">
-                <a16:creationId xmlns:a16="http://schemas.microsoft.com/office/drawing/2014/main" id="{5D339B60-0B7B-4EB6-B608-4449BFB14A9E}"/>
-              </a:ext>
-            </a:extLst>
-          </p:cNvPr>
+            <a:endParaRPr lang="zh-CN" altLang="en-US" sz="2400" dirty="0"/>
+          </a:p>
+        </p:txBody>
+      </p:sp>
+      <p:sp>
+        <p:nvSpPr>
+          <p:cNvPr id="5" name="矩形 4"/>
           <p:cNvSpPr/>
           <p:nvPr/>
         </p:nvSpPr>
@@ -5370,9 +4795,18 @@
           <a:p>
             <a:r>
               <a:rPr lang="en-US" altLang="zh-CN" dirty="0">
+                <a:hlinkClick r:id="rId2"/>
+              </a:rPr>
+              <a:t>https://developers.google.com/web/fundamentals/performance/optimizing-content-efficiency/automating-image-optimization</a:t>
+            </a:r>
+            <a:endParaRPr lang="en-US" altLang="zh-CN" dirty="0"/>
+          </a:p>
+          <a:p>
+            <a:r>
+              <a:rPr lang="en-US" altLang="zh-CN" dirty="0">
                 <a:hlinkClick r:id="rId3"/>
               </a:rPr>
-              <a:t>https://developers.google.com/web/fundamentals/performance/optimizing-content-efficiency/automating-image-optimization</a:t>
+              <a:t>https://developers.google.com/web/fundamentals/performance/optimizing-content-efficiency/replace-animated-gifs-with-video</a:t>
             </a:r>
             <a:endParaRPr lang="en-US" altLang="zh-CN" dirty="0"/>
           </a:p>
@@ -5381,15 +4815,6 @@
               <a:rPr lang="en-US" altLang="zh-CN" dirty="0">
                 <a:hlinkClick r:id="rId4"/>
               </a:rPr>
-              <a:t>https://developers.google.com/web/fundamentals/performance/optimizing-content-efficiency/replace-animated-gifs-with-video</a:t>
-            </a:r>
-            <a:endParaRPr lang="en-US" altLang="zh-CN" dirty="0"/>
-          </a:p>
-          <a:p>
-            <a:r>
-              <a:rPr lang="en-US" altLang="zh-CN" dirty="0">
-                <a:hlinkClick r:id="rId5"/>
-              </a:rPr>
               <a:t>https://medium.com/@jmperezperez/how-medium-does-progressive-image-loading-fd1e4dc1ee3d</a:t>
             </a:r>
             <a:endParaRPr lang="zh-CN" altLang="en-US" dirty="0"/>
@@ -5397,11 +4822,6 @@
         </p:txBody>
       </p:sp>
     </p:spTree>
-    <p:extLst>
-      <p:ext uri="{BB962C8B-B14F-4D97-AF65-F5344CB8AC3E}">
-        <p14:creationId xmlns:p14="http://schemas.microsoft.com/office/powerpoint/2010/main" val="2169486690"/>
-      </p:ext>
-    </p:extLst>
   </p:cSld>
   <p:clrMapOvr>
     <a:masterClrMapping/>
@@ -5428,13 +4848,7 @@
       </p:grpSpPr>
       <p:sp>
         <p:nvSpPr>
-          <p:cNvPr id="2" name="标题 1">
-            <a:extLst>
-              <a:ext uri="{FF2B5EF4-FFF2-40B4-BE49-F238E27FC236}">
-                <a16:creationId xmlns:a16="http://schemas.microsoft.com/office/drawing/2014/main" id="{3597EC27-F478-474B-8672-4E305C0CEEEB}"/>
-              </a:ext>
-            </a:extLst>
-          </p:cNvPr>
+          <p:cNvPr id="2" name="标题 1"/>
           <p:cNvSpPr>
             <a:spLocks noGrp="1"/>
           </p:cNvSpPr>
@@ -5465,13 +4879,7 @@
       </p:sp>
       <p:sp>
         <p:nvSpPr>
-          <p:cNvPr id="3" name="内容占位符 2">
-            <a:extLst>
-              <a:ext uri="{FF2B5EF4-FFF2-40B4-BE49-F238E27FC236}">
-                <a16:creationId xmlns:a16="http://schemas.microsoft.com/office/drawing/2014/main" id="{4F07F651-B315-4365-8CCE-06C0AD3EB329}"/>
-              </a:ext>
-            </a:extLst>
-          </p:cNvPr>
+          <p:cNvPr id="3" name="内容占位符 2"/>
           <p:cNvSpPr>
             <a:spLocks noGrp="1"/>
           </p:cNvSpPr>
@@ -5491,6 +4899,7 @@
               <a:rPr lang="en-US" altLang="zh-CN" dirty="0"/>
               <a:t> a  &amp;   &amp;#x61;   &amp;   \u0061   &amp;   \x61</a:t>
             </a:r>
+            <a:endParaRPr lang="en-US" altLang="zh-CN" dirty="0"/>
           </a:p>
           <a:p>
             <a:pPr marL="0" indent="0">
@@ -5504,6 +4913,7 @@
               <a:rPr lang="en-US" altLang="zh-CN" dirty="0"/>
               <a:t>a    →    YQ==</a:t>
             </a:r>
+            <a:endParaRPr lang="en-US" altLang="zh-CN" dirty="0"/>
           </a:p>
           <a:p>
             <a:pPr marL="0" indent="0">
@@ -5545,13 +4955,7 @@
       </p:sp>
       <p:sp>
         <p:nvSpPr>
-          <p:cNvPr id="4" name="文本框 3">
-            <a:extLst>
-              <a:ext uri="{FF2B5EF4-FFF2-40B4-BE49-F238E27FC236}">
-                <a16:creationId xmlns:a16="http://schemas.microsoft.com/office/drawing/2014/main" id="{7397CC42-7130-485E-A319-E3F064EBE08E}"/>
-              </a:ext>
-            </a:extLst>
-          </p:cNvPr>
+          <p:cNvPr id="4" name="文本框 3"/>
           <p:cNvSpPr txBox="1"/>
           <p:nvPr/>
         </p:nvSpPr>
@@ -5573,7 +4977,7 @@
           <a:p>
             <a:r>
               <a:rPr lang="en-US" altLang="zh-CN" dirty="0">
-                <a:hlinkClick r:id="rId2"/>
+                <a:hlinkClick r:id="rId1"/>
               </a:rPr>
               <a:t>https://github.com/dzgcsmthmt/practice/blob/master/js/base64.js</a:t>
             </a:r>
@@ -5582,11 +4986,6 @@
         </p:txBody>
       </p:sp>
     </p:spTree>
-    <p:extLst>
-      <p:ext uri="{BB962C8B-B14F-4D97-AF65-F5344CB8AC3E}">
-        <p14:creationId xmlns:p14="http://schemas.microsoft.com/office/powerpoint/2010/main" val="1925248484"/>
-      </p:ext>
-    </p:extLst>
   </p:cSld>
   <p:clrMapOvr>
     <a:masterClrMapping/>
@@ -5613,13 +5012,7 @@
       </p:grpSpPr>
       <p:sp>
         <p:nvSpPr>
-          <p:cNvPr id="2" name="标题 1">
-            <a:extLst>
-              <a:ext uri="{FF2B5EF4-FFF2-40B4-BE49-F238E27FC236}">
-                <a16:creationId xmlns:a16="http://schemas.microsoft.com/office/drawing/2014/main" id="{3339A947-2707-4C09-A7C5-BB014598E0F1}"/>
-              </a:ext>
-            </a:extLst>
-          </p:cNvPr>
+          <p:cNvPr id="2" name="标题 1"/>
           <p:cNvSpPr>
             <a:spLocks noGrp="1"/>
           </p:cNvSpPr>
@@ -5647,13 +5040,7 @@
       </p:sp>
       <p:sp>
         <p:nvSpPr>
-          <p:cNvPr id="4" name="文本框 3">
-            <a:extLst>
-              <a:ext uri="{FF2B5EF4-FFF2-40B4-BE49-F238E27FC236}">
-                <a16:creationId xmlns:a16="http://schemas.microsoft.com/office/drawing/2014/main" id="{ED175DCC-7D37-4C63-B83B-00C907EC8A56}"/>
-              </a:ext>
-            </a:extLst>
-          </p:cNvPr>
+          <p:cNvPr id="4" name="文本框 3"/>
           <p:cNvSpPr txBox="1"/>
           <p:nvPr/>
         </p:nvSpPr>
@@ -5675,7 +5062,7 @@
           <a:p>
             <a:r>
               <a:rPr lang="en-US" altLang="zh-CN" dirty="0">
-                <a:hlinkClick r:id="rId2"/>
+                <a:hlinkClick r:id="rId1"/>
               </a:rPr>
               <a:t>https://developers.google.com/web/fundamentals/instant-and-offline/offline-cookbook#serving-suggestions</a:t>
             </a:r>
@@ -5685,13 +5072,7 @@
       </p:sp>
       <p:sp>
         <p:nvSpPr>
-          <p:cNvPr id="5" name="文本框 4">
-            <a:extLst>
-              <a:ext uri="{FF2B5EF4-FFF2-40B4-BE49-F238E27FC236}">
-                <a16:creationId xmlns:a16="http://schemas.microsoft.com/office/drawing/2014/main" id="{DCE2FFD3-E5FD-43AA-B19F-9A6BF3E07BCA}"/>
-              </a:ext>
-            </a:extLst>
-          </p:cNvPr>
+          <p:cNvPr id="5" name="文本框 4"/>
           <p:cNvSpPr txBox="1"/>
           <p:nvPr/>
         </p:nvSpPr>
@@ -5722,6 +5103,7 @@
               <a:rPr lang="zh-CN" altLang="en-US" sz="3200" dirty="0"/>
               <a:t>仅缓存</a:t>
             </a:r>
+            <a:endParaRPr lang="zh-CN" altLang="en-US" sz="3200" dirty="0"/>
           </a:p>
           <a:p>
             <a:pPr marL="285750" indent="-285750">
@@ -5749,6 +5131,7 @@
               <a:rPr lang="zh-CN" altLang="en-US" sz="3200" dirty="0"/>
               <a:t>缓存、回退到网络</a:t>
             </a:r>
+            <a:endParaRPr lang="zh-CN" altLang="en-US" sz="3200" dirty="0"/>
           </a:p>
           <a:p>
             <a:pPr marL="285750" indent="-285750">
@@ -5762,6 +5145,7 @@
               <a:rPr lang="zh-CN" altLang="en-US" sz="3200" dirty="0"/>
               <a:t>缓存和网络竞态</a:t>
             </a:r>
+            <a:endParaRPr lang="zh-CN" altLang="en-US" sz="3200" dirty="0"/>
           </a:p>
           <a:p>
             <a:pPr marL="285750" indent="-285750">
@@ -5775,6 +5159,7 @@
               <a:rPr lang="zh-CN" altLang="en-US" sz="3200" dirty="0"/>
               <a:t>网络回退到缓存</a:t>
             </a:r>
+            <a:endParaRPr lang="zh-CN" altLang="en-US" sz="3200" dirty="0"/>
           </a:p>
           <a:p>
             <a:pPr marL="285750" indent="-285750">
@@ -5788,6 +5173,7 @@
               <a:rPr lang="zh-CN" altLang="en-US" sz="3200" dirty="0"/>
               <a:t>缓存然后访问网络</a:t>
             </a:r>
+            <a:endParaRPr lang="zh-CN" altLang="en-US" sz="3200" dirty="0"/>
           </a:p>
           <a:p>
             <a:pPr marL="285750" indent="-285750">
@@ -5801,15 +5187,11 @@
               <a:rPr lang="zh-CN" altLang="en-US" sz="3200" dirty="0"/>
               <a:t>常规回退</a:t>
             </a:r>
+            <a:endParaRPr lang="zh-CN" altLang="en-US" sz="3200" dirty="0"/>
           </a:p>
         </p:txBody>
       </p:sp>
     </p:spTree>
-    <p:extLst>
-      <p:ext uri="{BB962C8B-B14F-4D97-AF65-F5344CB8AC3E}">
-        <p14:creationId xmlns:p14="http://schemas.microsoft.com/office/powerpoint/2010/main" val="3642653452"/>
-      </p:ext>
-    </p:extLst>
   </p:cSld>
   <p:clrMapOvr>
     <a:masterClrMapping/>
@@ -5836,13 +5218,7 @@
       </p:grpSpPr>
       <p:sp>
         <p:nvSpPr>
-          <p:cNvPr id="2" name="标题 1">
-            <a:extLst>
-              <a:ext uri="{FF2B5EF4-FFF2-40B4-BE49-F238E27FC236}">
-                <a16:creationId xmlns:a16="http://schemas.microsoft.com/office/drawing/2014/main" id="{520DEFF8-2489-4FA1-BDD2-CF1937410754}"/>
-              </a:ext>
-            </a:extLst>
-          </p:cNvPr>
+          <p:cNvPr id="2" name="标题 1"/>
           <p:cNvSpPr>
             <a:spLocks noGrp="1"/>
           </p:cNvSpPr>
@@ -5859,25 +5235,20 @@
               <a:rPr lang="zh-CN" altLang="en-US" dirty="0"/>
               <a:t>缓存</a:t>
             </a:r>
+            <a:endParaRPr lang="zh-CN" altLang="en-US" dirty="0"/>
           </a:p>
         </p:txBody>
       </p:sp>
       <p:pic>
         <p:nvPicPr>
-          <p:cNvPr id="1026" name="Picture 2" descr="Flowchart">
-            <a:extLst>
-              <a:ext uri="{FF2B5EF4-FFF2-40B4-BE49-F238E27FC236}">
-                <a16:creationId xmlns:a16="http://schemas.microsoft.com/office/drawing/2014/main" id="{BFCA0E2A-9E95-468C-9AB2-66AC33B8E6D3}"/>
-              </a:ext>
-            </a:extLst>
-          </p:cNvPr>
+          <p:cNvPr id="1026" name="Picture 2" descr="Flowchart"/>
           <p:cNvPicPr>
             <a:picLocks noChangeAspect="1" noChangeArrowheads="1"/>
           </p:cNvPicPr>
           <p:nvPr/>
         </p:nvPicPr>
         <p:blipFill>
-          <a:blip r:embed="rId2">
+          <a:blip r:embed="rId1">
             <a:extLst>
               <a:ext uri="{28A0092B-C50C-407E-A947-70E740481C1C}">
                 <a14:useLocalDpi xmlns:a14="http://schemas.microsoft.com/office/drawing/2010/main" val="0"/>
@@ -5891,7 +5262,7 @@
         </p:blipFill>
         <p:spPr bwMode="auto">
           <a:xfrm>
-            <a:off x="5843588" y="355600"/>
+            <a:off x="5924233" y="113665"/>
             <a:ext cx="5667375" cy="5715000"/>
           </a:xfrm>
           <a:prstGeom prst="rect">
@@ -5911,20 +5282,14 @@
       </p:pic>
       <p:sp>
         <p:nvSpPr>
-          <p:cNvPr id="4" name="文本框 3">
-            <a:extLst>
-              <a:ext uri="{FF2B5EF4-FFF2-40B4-BE49-F238E27FC236}">
-                <a16:creationId xmlns:a16="http://schemas.microsoft.com/office/drawing/2014/main" id="{2FDE0BB7-73AF-401F-8E6E-BDCBECFC6D17}"/>
-              </a:ext>
-            </a:extLst>
-          </p:cNvPr>
+          <p:cNvPr id="4" name="文本框 3"/>
           <p:cNvSpPr txBox="1"/>
           <p:nvPr/>
         </p:nvSpPr>
         <p:spPr>
           <a:xfrm>
             <a:off x="304800" y="2152650"/>
-            <a:ext cx="4362451" cy="2554545"/>
+            <a:ext cx="5260340" cy="2553335"/>
           </a:xfrm>
           <a:prstGeom prst="rect">
             <a:avLst/>
@@ -5948,6 +5313,7 @@
               <a:rPr lang="en-US" altLang="zh-CN" sz="3200" dirty="0"/>
               <a:t>LRU </a:t>
             </a:r>
+            <a:endParaRPr lang="en-US" altLang="zh-CN" sz="3200" dirty="0"/>
           </a:p>
           <a:p>
             <a:r>
@@ -5958,6 +5324,7 @@
               <a:rPr lang="en-US" altLang="zh-CN" sz="3200" dirty="0"/>
               <a:t>-router keep-alive</a:t>
             </a:r>
+            <a:endParaRPr lang="en-US" altLang="zh-CN" sz="3200" dirty="0"/>
           </a:p>
           <a:p>
             <a:endParaRPr lang="en-US" altLang="zh-CN" sz="3200" dirty="0"/>
@@ -5973,20 +5340,14 @@
       </p:sp>
       <p:sp>
         <p:nvSpPr>
-          <p:cNvPr id="3" name="矩形 2">
-            <a:extLst>
-              <a:ext uri="{FF2B5EF4-FFF2-40B4-BE49-F238E27FC236}">
-                <a16:creationId xmlns:a16="http://schemas.microsoft.com/office/drawing/2014/main" id="{594E5C50-1636-4DD7-B1A4-EC34AB9E7B89}"/>
-              </a:ext>
-            </a:extLst>
-          </p:cNvPr>
+          <p:cNvPr id="3" name="矩形 2"/>
           <p:cNvSpPr/>
           <p:nvPr/>
         </p:nvSpPr>
         <p:spPr>
           <a:xfrm>
-            <a:off x="304800" y="6279634"/>
-            <a:ext cx="6623468" cy="369332"/>
+            <a:off x="304800" y="5794375"/>
+            <a:ext cx="11431905" cy="922020"/>
           </a:xfrm>
           <a:prstGeom prst="rect">
             <a:avLst/>
@@ -6000,20 +5361,31 @@
           <a:p>
             <a:r>
               <a:rPr lang="en-US" altLang="zh-CN" dirty="0">
-                <a:hlinkClick r:id="rId3"/>
+                <a:hlinkClick r:id="rId2"/>
               </a:rPr>
               <a:t>https://jsperf.com/string-repeat2/2</a:t>
             </a:r>
+            <a:endParaRPr lang="en-US" altLang="zh-CN" dirty="0">
+              <a:hlinkClick r:id="rId2"/>
+            </a:endParaRPr>
+          </a:p>
+          <a:p>
+            <a:r>
+              <a:rPr lang="zh-CN" altLang="en-US" dirty="0"/>
+              <a:t>https://github.com/mathiasbynens/String.prototype.repeat/blob/master/implementation.js</a:t>
+            </a:r>
             <a:endParaRPr lang="zh-CN" altLang="en-US" dirty="0"/>
           </a:p>
+          <a:p>
+            <a:r>
+              <a:rPr lang="zh-CN" altLang="en-US" dirty="0"/>
+              <a:t>https://github.com/paulmillr/es6-shim/blob/master/es6-shim.js</a:t>
+            </a:r>
+            <a:endParaRPr lang="zh-CN" altLang="en-US" dirty="0"/>
+          </a:p>
         </p:txBody>
       </p:sp>
     </p:spTree>
-    <p:extLst>
-      <p:ext uri="{BB962C8B-B14F-4D97-AF65-F5344CB8AC3E}">
-        <p14:creationId xmlns:p14="http://schemas.microsoft.com/office/powerpoint/2010/main" val="3919604800"/>
-      </p:ext>
-    </p:extLst>
   </p:cSld>
   <p:clrMapOvr>
     <a:masterClrMapping/>
@@ -6040,20 +5412,14 @@
       </p:grpSpPr>
       <p:pic>
         <p:nvPicPr>
-          <p:cNvPr id="2050" name="Picture 2">
-            <a:extLst>
-              <a:ext uri="{FF2B5EF4-FFF2-40B4-BE49-F238E27FC236}">
-                <a16:creationId xmlns:a16="http://schemas.microsoft.com/office/drawing/2014/main" id="{34EF33C4-0D0C-40C5-A9FE-23C07DBC5A47}"/>
-              </a:ext>
-            </a:extLst>
-          </p:cNvPr>
+          <p:cNvPr id="2050" name="Picture 2"/>
           <p:cNvPicPr>
             <a:picLocks noChangeAspect="1" noChangeArrowheads="1"/>
           </p:cNvPicPr>
           <p:nvPr/>
         </p:nvPicPr>
         <p:blipFill>
-          <a:blip r:embed="rId2">
+          <a:blip r:embed="rId1">
             <a:extLst>
               <a:ext uri="{28A0092B-C50C-407E-A947-70E740481C1C}">
                 <a14:useLocalDpi xmlns:a14="http://schemas.microsoft.com/office/drawing/2010/main" val="0"/>
@@ -6087,13 +5453,7 @@
       </p:pic>
       <p:sp>
         <p:nvSpPr>
-          <p:cNvPr id="2" name="文本框 1">
-            <a:extLst>
-              <a:ext uri="{FF2B5EF4-FFF2-40B4-BE49-F238E27FC236}">
-                <a16:creationId xmlns:a16="http://schemas.microsoft.com/office/drawing/2014/main" id="{4E885FDF-2661-4DC5-9F7A-EA714E204A5F}"/>
-              </a:ext>
-            </a:extLst>
-          </p:cNvPr>
+          <p:cNvPr id="2" name="文本框 1"/>
           <p:cNvSpPr txBox="1"/>
           <p:nvPr/>
         </p:nvSpPr>
@@ -6115,7 +5475,7 @@
           <a:p>
             <a:r>
               <a:rPr lang="en-US" altLang="zh-CN" dirty="0">
-                <a:hlinkClick r:id="rId3"/>
+                <a:hlinkClick r:id="rId2"/>
               </a:rPr>
               <a:t>https://www.html5rocks.com/zh/tutorials/speed/script-loading/</a:t>
             </a:r>
@@ -6125,13 +5485,31 @@
       </p:sp>
       <p:pic>
         <p:nvPicPr>
-          <p:cNvPr id="4" name="图片 3">
-            <a:extLst>
-              <a:ext uri="{FF2B5EF4-FFF2-40B4-BE49-F238E27FC236}">
-                <a16:creationId xmlns:a16="http://schemas.microsoft.com/office/drawing/2014/main" id="{0E0FBD5C-0189-4FBA-8591-2F928AFD6F26}"/>
-              </a:ext>
-            </a:extLst>
-          </p:cNvPr>
+          <p:cNvPr id="4" name="图片 3"/>
+          <p:cNvPicPr>
+            <a:picLocks noChangeAspect="1"/>
+          </p:cNvPicPr>
+          <p:nvPr/>
+        </p:nvPicPr>
+        <p:blipFill>
+          <a:blip r:embed="rId3"/>
+          <a:stretch>
+            <a:fillRect/>
+          </a:stretch>
+        </p:blipFill>
+        <p:spPr>
+          <a:xfrm>
+            <a:off x="257176" y="3238513"/>
+            <a:ext cx="7977093" cy="1800000"/>
+          </a:xfrm>
+          <a:prstGeom prst="rect">
+            <a:avLst/>
+          </a:prstGeom>
+        </p:spPr>
+      </p:pic>
+      <p:pic>
+        <p:nvPicPr>
+          <p:cNvPr id="5" name="图片 4"/>
           <p:cNvPicPr>
             <a:picLocks noChangeAspect="1"/>
           </p:cNvPicPr>
@@ -6145,53 +5523,17 @@
         </p:blipFill>
         <p:spPr>
           <a:xfrm>
-            <a:off x="257176" y="3238513"/>
-            <a:ext cx="7977093" cy="1800000"/>
+            <a:off x="8676984" y="3238513"/>
+            <a:ext cx="2657475" cy="1457325"/>
           </a:xfrm>
           <a:prstGeom prst="rect">
             <a:avLst/>
           </a:prstGeom>
         </p:spPr>
       </p:pic>
-      <p:pic>
-        <p:nvPicPr>
-          <p:cNvPr id="5" name="图片 4">
-            <a:extLst>
-              <a:ext uri="{FF2B5EF4-FFF2-40B4-BE49-F238E27FC236}">
-                <a16:creationId xmlns:a16="http://schemas.microsoft.com/office/drawing/2014/main" id="{6E340E8D-91F1-4893-BEF4-2269B51A2066}"/>
-              </a:ext>
-            </a:extLst>
-          </p:cNvPr>
-          <p:cNvPicPr>
-            <a:picLocks noChangeAspect="1"/>
-          </p:cNvPicPr>
-          <p:nvPr/>
-        </p:nvPicPr>
-        <p:blipFill>
-          <a:blip r:embed="rId5"/>
-          <a:stretch>
-            <a:fillRect/>
-          </a:stretch>
-        </p:blipFill>
-        <p:spPr>
-          <a:xfrm>
-            <a:off x="8676984" y="3238513"/>
-            <a:ext cx="2657475" cy="1457325"/>
-          </a:xfrm>
-          <a:prstGeom prst="rect">
-            <a:avLst/>
-          </a:prstGeom>
-        </p:spPr>
-      </p:pic>
-      <p:sp>
-        <p:nvSpPr>
-          <p:cNvPr id="6" name="文本框 5">
-            <a:extLst>
-              <a:ext uri="{FF2B5EF4-FFF2-40B4-BE49-F238E27FC236}">
-                <a16:creationId xmlns:a16="http://schemas.microsoft.com/office/drawing/2014/main" id="{ED9951DB-BB32-4083-BD12-1316B3200F83}"/>
-              </a:ext>
-            </a:extLst>
-          </p:cNvPr>
+      <p:sp>
+        <p:nvSpPr>
+          <p:cNvPr id="6" name="文本框 5"/>
           <p:cNvSpPr txBox="1"/>
           <p:nvPr/>
         </p:nvSpPr>
@@ -6268,15 +5610,11 @@
               <a:rPr lang="zh-CN" altLang="en-US" sz="2000" dirty="0"/>
               <a:t>暂停执行当前脚本，而在恢复执行前会去执行其他挂起的脚本</a:t>
             </a:r>
+            <a:endParaRPr lang="zh-CN" altLang="en-US" sz="2000" dirty="0"/>
           </a:p>
         </p:txBody>
       </p:sp>
     </p:spTree>
-    <p:extLst>
-      <p:ext uri="{BB962C8B-B14F-4D97-AF65-F5344CB8AC3E}">
-        <p14:creationId xmlns:p14="http://schemas.microsoft.com/office/powerpoint/2010/main" val="428034797"/>
-      </p:ext>
-    </p:extLst>
   </p:cSld>
   <p:clrMapOvr>
     <a:masterClrMapping/>
@@ -6327,7 +5665,7 @@
     </a:clrScheme>
     <a:fontScheme name="Office">
       <a:majorFont>
-        <a:latin typeface="等线 Light" panose="020F0302020204030204"/>
+        <a:latin typeface="等线 Light"/>
         <a:ea typeface=""/>
         <a:cs typeface=""/>
         <a:font script="Jpan" typeface="游ゴシック Light"/>
@@ -6360,26 +5698,9 @@
         <a:font script="Viet" typeface="Times New Roman"/>
         <a:font script="Uigh" typeface="Microsoft Uighur"/>
         <a:font script="Geor" typeface="Sylfaen"/>
-        <a:font script="Armn" typeface="Arial"/>
-        <a:font script="Bugi" typeface="Leelawadee UI"/>
-        <a:font script="Bopo" typeface="Microsoft JhengHei"/>
-        <a:font script="Java" typeface="Javanese Text"/>
-        <a:font script="Lisu" typeface="Segoe UI"/>
-        <a:font script="Mymr" typeface="Myanmar Text"/>
-        <a:font script="Nkoo" typeface="Ebrima"/>
-        <a:font script="Olck" typeface="Nirmala UI"/>
-        <a:font script="Osma" typeface="Ebrima"/>
-        <a:font script="Phag" typeface="Phagspa"/>
-        <a:font script="Syrn" typeface="Estrangelo Edessa"/>
-        <a:font script="Syrj" typeface="Estrangelo Edessa"/>
-        <a:font script="Syre" typeface="Estrangelo Edessa"/>
-        <a:font script="Sora" typeface="Nirmala UI"/>
-        <a:font script="Tale" typeface="Microsoft Tai Le"/>
-        <a:font script="Talu" typeface="Microsoft New Tai Lue"/>
-        <a:font script="Tfng" typeface="Ebrima"/>
       </a:majorFont>
       <a:minorFont>
-        <a:latin typeface="等线" panose="020F0502020204030204"/>
+        <a:latin typeface="等线"/>
         <a:ea typeface=""/>
         <a:cs typeface=""/>
         <a:font script="Jpan" typeface="游ゴシック"/>
@@ -6412,23 +5733,6 @@
         <a:font script="Viet" typeface="Arial"/>
         <a:font script="Uigh" typeface="Microsoft Uighur"/>
         <a:font script="Geor" typeface="Sylfaen"/>
-        <a:font script="Armn" typeface="Arial"/>
-        <a:font script="Bugi" typeface="Leelawadee UI"/>
-        <a:font script="Bopo" typeface="Microsoft JhengHei"/>
-        <a:font script="Java" typeface="Javanese Text"/>
-        <a:font script="Lisu" typeface="Segoe UI"/>
-        <a:font script="Mymr" typeface="Myanmar Text"/>
-        <a:font script="Nkoo" typeface="Ebrima"/>
-        <a:font script="Olck" typeface="Nirmala UI"/>
-        <a:font script="Osma" typeface="Ebrima"/>
-        <a:font script="Phag" typeface="Phagspa"/>
-        <a:font script="Syrn" typeface="Estrangelo Edessa"/>
-        <a:font script="Syrj" typeface="Estrangelo Edessa"/>
-        <a:font script="Syre" typeface="Estrangelo Edessa"/>
-        <a:font script="Sora" typeface="Nirmala UI"/>
-        <a:font script="Tale" typeface="Microsoft Tai Le"/>
-        <a:font script="Talu" typeface="Microsoft New Tai Lue"/>
-        <a:font script="Tfng" typeface="Ebrima"/>
       </a:minorFont>
     </a:fontScheme>
     <a:fmtScheme name="Office">
@@ -6569,8 +5873,6 @@
       </a:bgFillStyleLst>
     </a:fmtScheme>
   </a:themeElements>
-  <a:objectDefaults/>
-  <a:extraClrSchemeLst/>
   <a:extLst>
     <a:ext uri="{05A4C25C-085E-4340-85A3-A5531E510DB2}">
       <thm15:themeFamily xmlns:thm15="http://schemas.microsoft.com/office/thememl/2012/main" name="Office Theme" id="{62F939B6-93AF-4DB8-9C6B-D6C7DFDC589F}" vid="{4A3C46E8-61CC-4603-A589-7422A47A8E4A}"/>

--- a/前端性能.pptx
+++ b/前端性能.pptx
@@ -4227,7 +4227,7 @@
         <p:spPr>
           <a:xfrm>
             <a:off x="6381750" y="4114800"/>
-            <a:ext cx="5286375" cy="2308324"/>
+            <a:ext cx="5628005" cy="2306955"/>
           </a:xfrm>
           <a:prstGeom prst="rect">
             <a:avLst/>
@@ -4629,7 +4629,7 @@
         </p:blipFill>
         <p:spPr bwMode="auto">
           <a:xfrm>
-            <a:off x="5776913" y="1404938"/>
+            <a:off x="6164263" y="1404938"/>
             <a:ext cx="5762625" cy="3305175"/>
           </a:xfrm>
           <a:prstGeom prst="rect">
@@ -4649,131 +4649,6 @@
       </p:pic>
       <p:sp>
         <p:nvSpPr>
-          <p:cNvPr id="4" name="文本框 3"/>
-          <p:cNvSpPr txBox="1"/>
-          <p:nvPr/>
-        </p:nvSpPr>
-        <p:spPr>
-          <a:xfrm>
-            <a:off x="838200" y="1733550"/>
-            <a:ext cx="4400550" cy="2806025"/>
-          </a:xfrm>
-          <a:prstGeom prst="rect">
-            <a:avLst/>
-          </a:prstGeom>
-          <a:noFill/>
-        </p:spPr>
-        <p:txBody>
-          <a:bodyPr wrap="square" rtlCol="0">
-            <a:spAutoFit/>
-          </a:bodyPr>
-          <a:lstStyle/>
-          <a:p>
-            <a:pPr marL="285750" indent="-285750">
-              <a:lnSpc>
-                <a:spcPct val="150000"/>
-              </a:lnSpc>
-              <a:buFont typeface="Wingdings" panose="05000000000000000000" pitchFamily="2" charset="2"/>
-              <a:buChar char="Ø"/>
-            </a:pPr>
-            <a:r>
-              <a:rPr lang="zh-CN" altLang="en-US" sz="2400" dirty="0"/>
-              <a:t>尽可能利用 </a:t>
-            </a:r>
-            <a:r>
-              <a:rPr lang="en-US" altLang="zh-CN" sz="2400" dirty="0"/>
-              <a:t>CSS3 </a:t>
-            </a:r>
-            <a:r>
-              <a:rPr lang="zh-CN" altLang="en-US" sz="2400" dirty="0"/>
-              <a:t>效果</a:t>
-            </a:r>
-            <a:endParaRPr lang="en-US" altLang="zh-CN" sz="2400" dirty="0"/>
-          </a:p>
-          <a:p>
-            <a:pPr marL="285750" indent="-285750">
-              <a:lnSpc>
-                <a:spcPct val="150000"/>
-              </a:lnSpc>
-              <a:buFont typeface="Wingdings" panose="05000000000000000000" pitchFamily="2" charset="2"/>
-              <a:buChar char="Ø"/>
-            </a:pPr>
-            <a:r>
-              <a:rPr lang="zh-CN" altLang="en-US" sz="2400" dirty="0"/>
-              <a:t>使用网页字体</a:t>
-            </a:r>
-            <a:endParaRPr lang="en-US" altLang="zh-CN" sz="2400" dirty="0"/>
-          </a:p>
-          <a:p>
-            <a:pPr marL="285750" indent="-285750">
-              <a:lnSpc>
-                <a:spcPct val="150000"/>
-              </a:lnSpc>
-              <a:buFont typeface="Wingdings" panose="05000000000000000000" pitchFamily="2" charset="2"/>
-              <a:buChar char="Ø"/>
-            </a:pPr>
-            <a:r>
-              <a:rPr lang="zh-CN" altLang="en-US" sz="2400" dirty="0"/>
-              <a:t>优先使用</a:t>
-            </a:r>
-            <a:r>
-              <a:rPr lang="en-US" altLang="zh-CN" sz="2400" dirty="0"/>
-              <a:t> </a:t>
-            </a:r>
-            <a:r>
-              <a:rPr lang="en-US" altLang="zh-CN" sz="2400" dirty="0" err="1"/>
-              <a:t>WebP</a:t>
-            </a:r>
-            <a:r>
-              <a:rPr lang="en-US" altLang="zh-CN" sz="2400" dirty="0"/>
-              <a:t> </a:t>
-            </a:r>
-            <a:r>
-              <a:rPr lang="zh-CN" altLang="en-US" sz="2400" dirty="0"/>
-              <a:t>和 </a:t>
-            </a:r>
-            <a:r>
-              <a:rPr lang="en-US" altLang="zh-CN" sz="2400" dirty="0"/>
-              <a:t>JPEG XR</a:t>
-            </a:r>
-            <a:endParaRPr lang="en-US" altLang="zh-CN" sz="2400" dirty="0"/>
-          </a:p>
-          <a:p>
-            <a:pPr marL="285750" indent="-285750">
-              <a:lnSpc>
-                <a:spcPct val="150000"/>
-              </a:lnSpc>
-              <a:buFont typeface="Wingdings" panose="05000000000000000000" pitchFamily="2" charset="2"/>
-              <a:buChar char="Ø"/>
-            </a:pPr>
-            <a:r>
-              <a:rPr lang="zh-CN" altLang="en-US" sz="2400" dirty="0"/>
-              <a:t>用视频代替动画</a:t>
-            </a:r>
-            <a:r>
-              <a:rPr lang="en-US" altLang="zh-CN" sz="2400" dirty="0"/>
-              <a:t>gif</a:t>
-            </a:r>
-            <a:endParaRPr lang="en-US" altLang="zh-CN" sz="2400" dirty="0"/>
-          </a:p>
-          <a:p>
-            <a:pPr marL="285750" indent="-285750">
-              <a:lnSpc>
-                <a:spcPct val="150000"/>
-              </a:lnSpc>
-              <a:buFont typeface="Wingdings" panose="05000000000000000000" pitchFamily="2" charset="2"/>
-              <a:buChar char="Ø"/>
-            </a:pPr>
-            <a:r>
-              <a:rPr lang="zh-CN" altLang="en-US" sz="2400" dirty="0"/>
-              <a:t>延迟加载图像和视频</a:t>
-            </a:r>
-            <a:endParaRPr lang="zh-CN" altLang="en-US" sz="2400" dirty="0"/>
-          </a:p>
-        </p:txBody>
-      </p:sp>
-      <p:sp>
-        <p:nvSpPr>
           <p:cNvPr id="5" name="矩形 4"/>
           <p:cNvSpPr/>
           <p:nvPr/>
@@ -4821,6 +4696,269 @@
           </a:p>
         </p:txBody>
       </p:sp>
+      <p:grpSp>
+        <p:nvGrpSpPr>
+          <p:cNvPr id="7" name="组合 6"/>
+          <p:cNvGrpSpPr/>
+          <p:nvPr/>
+        </p:nvGrpSpPr>
+        <p:grpSpPr>
+          <a:xfrm>
+            <a:off x="898525" y="1310640"/>
+            <a:ext cx="5196840" cy="3519805"/>
+            <a:chOff x="1415" y="1874"/>
+            <a:chExt cx="8184" cy="5543"/>
+          </a:xfrm>
+        </p:grpSpPr>
+        <p:sp>
+          <p:nvSpPr>
+            <p:cNvPr id="4" name="文本框 3"/>
+            <p:cNvSpPr txBox="1"/>
+            <p:nvPr/>
+          </p:nvSpPr>
+          <p:spPr>
+            <a:xfrm>
+              <a:off x="1415" y="1874"/>
+              <a:ext cx="6930" cy="4797"/>
+            </a:xfrm>
+            <a:prstGeom prst="rect">
+              <a:avLst/>
+            </a:prstGeom>
+            <a:noFill/>
+          </p:spPr>
+          <p:txBody>
+            <a:bodyPr wrap="square" rtlCol="0">
+              <a:spAutoFit/>
+            </a:bodyPr>
+            <a:lstStyle/>
+            <a:p>
+              <a:pPr marL="285750" indent="-285750">
+                <a:lnSpc>
+                  <a:spcPct val="100000"/>
+                </a:lnSpc>
+                <a:buFont typeface="Wingdings" panose="05000000000000000000" pitchFamily="2" charset="2"/>
+                <a:buChar char="Ø"/>
+              </a:pPr>
+              <a:r>
+                <a:rPr lang="zh-CN" altLang="en-US" sz="2400" dirty="0"/>
+                <a:t>尽可能利用 </a:t>
+              </a:r>
+              <a:r>
+                <a:rPr lang="en-US" altLang="zh-CN" sz="2400" dirty="0"/>
+                <a:t>CSS3 </a:t>
+              </a:r>
+              <a:r>
+                <a:rPr lang="zh-CN" altLang="en-US" sz="2400" dirty="0"/>
+                <a:t>效果</a:t>
+              </a:r>
+              <a:endParaRPr lang="en-US" altLang="zh-CN" sz="2400" dirty="0"/>
+            </a:p>
+            <a:p>
+              <a:pPr marL="285750" indent="-285750">
+                <a:lnSpc>
+                  <a:spcPct val="100000"/>
+                </a:lnSpc>
+                <a:buFont typeface="Wingdings" panose="05000000000000000000" pitchFamily="2" charset="2"/>
+                <a:buChar char="Ø"/>
+              </a:pPr>
+              <a:r>
+                <a:rPr lang="zh-CN" altLang="en-US" sz="2400" dirty="0"/>
+                <a:t>使用网页字体</a:t>
+              </a:r>
+              <a:endParaRPr lang="en-US" altLang="zh-CN" sz="2400" dirty="0"/>
+            </a:p>
+            <a:p>
+              <a:pPr marL="285750" indent="-285750">
+                <a:lnSpc>
+                  <a:spcPct val="100000"/>
+                </a:lnSpc>
+                <a:buFont typeface="Wingdings" panose="05000000000000000000" pitchFamily="2" charset="2"/>
+                <a:buChar char="Ø"/>
+              </a:pPr>
+              <a:r>
+                <a:rPr lang="zh-CN" altLang="en-US" sz="2400" dirty="0"/>
+                <a:t>优先使用</a:t>
+              </a:r>
+              <a:r>
+                <a:rPr lang="en-US" altLang="zh-CN" sz="2400" dirty="0"/>
+                <a:t> </a:t>
+              </a:r>
+              <a:r>
+                <a:rPr lang="en-US" altLang="zh-CN" sz="2400" dirty="0" err="1"/>
+                <a:t>WebP</a:t>
+              </a:r>
+              <a:r>
+                <a:rPr lang="en-US" altLang="zh-CN" sz="2400" dirty="0"/>
+                <a:t> </a:t>
+              </a:r>
+              <a:r>
+                <a:rPr lang="zh-CN" altLang="en-US" sz="2400" dirty="0"/>
+                <a:t>和 </a:t>
+              </a:r>
+              <a:r>
+                <a:rPr lang="en-US" altLang="zh-CN" sz="2400" dirty="0"/>
+                <a:t>JPEG XR</a:t>
+              </a:r>
+              <a:endParaRPr lang="en-US" altLang="zh-CN" sz="2400" dirty="0"/>
+            </a:p>
+            <a:p>
+              <a:pPr marL="285750" indent="-285750">
+                <a:lnSpc>
+                  <a:spcPct val="100000"/>
+                </a:lnSpc>
+                <a:buFont typeface="Wingdings" panose="05000000000000000000" pitchFamily="2" charset="2"/>
+                <a:buChar char="Ø"/>
+              </a:pPr>
+              <a:endParaRPr lang="en-US" altLang="zh-CN" sz="2400" dirty="0"/>
+            </a:p>
+            <a:p>
+              <a:pPr indent="0">
+                <a:lnSpc>
+                  <a:spcPct val="100000"/>
+                </a:lnSpc>
+                <a:buFont typeface="Wingdings" panose="05000000000000000000" pitchFamily="2" charset="2"/>
+                <a:buNone/>
+              </a:pPr>
+              <a:endParaRPr lang="en-US" altLang="zh-CN" sz="2400" dirty="0"/>
+            </a:p>
+            <a:p>
+              <a:pPr indent="0">
+                <a:lnSpc>
+                  <a:spcPct val="100000"/>
+                </a:lnSpc>
+                <a:buFont typeface="Wingdings" panose="05000000000000000000" pitchFamily="2" charset="2"/>
+                <a:buNone/>
+              </a:pPr>
+              <a:endParaRPr lang="en-US" altLang="zh-CN" sz="2400" dirty="0"/>
+            </a:p>
+            <a:p>
+              <a:pPr marL="285750" indent="-285750">
+                <a:lnSpc>
+                  <a:spcPct val="100000"/>
+                </a:lnSpc>
+                <a:buFont typeface="Wingdings" panose="05000000000000000000" pitchFamily="2" charset="2"/>
+                <a:buChar char="Ø"/>
+              </a:pPr>
+              <a:r>
+                <a:rPr lang="zh-CN" altLang="en-US" sz="2400" dirty="0"/>
+                <a:t>用视频代替动画</a:t>
+              </a:r>
+              <a:r>
+                <a:rPr lang="en-US" altLang="zh-CN" sz="2400" dirty="0"/>
+                <a:t>gif</a:t>
+              </a:r>
+              <a:endParaRPr lang="en-US" altLang="zh-CN" sz="2400" dirty="0"/>
+            </a:p>
+            <a:p>
+              <a:pPr marL="285750" indent="-285750">
+                <a:lnSpc>
+                  <a:spcPct val="100000"/>
+                </a:lnSpc>
+                <a:buFont typeface="Wingdings" panose="05000000000000000000" pitchFamily="2" charset="2"/>
+                <a:buChar char="Ø"/>
+              </a:pPr>
+              <a:r>
+                <a:rPr lang="zh-CN" altLang="en-US" sz="2400" dirty="0"/>
+                <a:t>延迟加载图像和视频</a:t>
+              </a:r>
+              <a:endParaRPr lang="zh-CN" altLang="en-US" sz="2400" dirty="0"/>
+            </a:p>
+          </p:txBody>
+        </p:sp>
+        <p:sp>
+          <p:nvSpPr>
+            <p:cNvPr id="3" name="文本框 2"/>
+            <p:cNvSpPr txBox="1"/>
+            <p:nvPr/>
+          </p:nvSpPr>
+          <p:spPr>
+            <a:xfrm>
+              <a:off x="2095" y="6693"/>
+              <a:ext cx="7505" cy="725"/>
+            </a:xfrm>
+            <a:prstGeom prst="rect">
+              <a:avLst/>
+            </a:prstGeom>
+            <a:noFill/>
+          </p:spPr>
+          <p:txBody>
+            <a:bodyPr wrap="square" rtlCol="0" anchor="t">
+              <a:spAutoFit/>
+            </a:bodyPr>
+            <a:p>
+              <a:r>
+                <a:rPr lang="zh-CN" altLang="en-US" sz="1200"/>
+                <a:t>&lt;img src="celebration.jpg" loading="lazy" alt="..." /&gt;</a:t>
+              </a:r>
+              <a:endParaRPr lang="zh-CN" altLang="en-US" sz="1200"/>
+            </a:p>
+            <a:p>
+              <a:r>
+                <a:rPr lang="zh-CN" altLang="en-US" sz="1200"/>
+                <a:t>Feature detection  'loading' in HTMLImageElement.prototype</a:t>
+              </a:r>
+              <a:endParaRPr lang="zh-CN" altLang="en-US" sz="1200"/>
+            </a:p>
+          </p:txBody>
+        </p:sp>
+        <p:sp>
+          <p:nvSpPr>
+            <p:cNvPr id="6" name="文本框 5"/>
+            <p:cNvSpPr txBox="1"/>
+            <p:nvPr/>
+          </p:nvSpPr>
+          <p:spPr>
+            <a:xfrm>
+              <a:off x="2095" y="3661"/>
+              <a:ext cx="7086" cy="1598"/>
+            </a:xfrm>
+            <a:prstGeom prst="rect">
+              <a:avLst/>
+            </a:prstGeom>
+            <a:noFill/>
+          </p:spPr>
+          <p:txBody>
+            <a:bodyPr wrap="square" rtlCol="0" anchor="t">
+              <a:spAutoFit/>
+            </a:bodyPr>
+            <a:p>
+              <a:r>
+                <a:rPr lang="zh-CN" altLang="en-US" sz="1200"/>
+                <a:t>&lt;picture&gt;</a:t>
+              </a:r>
+              <a:endParaRPr lang="zh-CN" altLang="en-US" sz="1200"/>
+            </a:p>
+            <a:p>
+              <a:r>
+                <a:rPr lang="zh-CN" altLang="en-US" sz="1200"/>
+                <a:t>    &lt;source type="image/webp" srcset="flower.webp"&gt;</a:t>
+              </a:r>
+              <a:endParaRPr lang="zh-CN" altLang="en-US" sz="1200"/>
+            </a:p>
+            <a:p>
+              <a:r>
+                <a:rPr lang="zh-CN" altLang="en-US" sz="1200"/>
+                <a:t>    &lt;source type="image/jpeg" srcset="flower.jpg"&gt;</a:t>
+              </a:r>
+              <a:endParaRPr lang="zh-CN" altLang="en-US" sz="1200"/>
+            </a:p>
+            <a:p>
+              <a:r>
+                <a:rPr lang="zh-CN" altLang="en-US" sz="1200"/>
+                <a:t>    &lt;img src="flower.jpg" alt=""&gt;</a:t>
+              </a:r>
+              <a:endParaRPr lang="zh-CN" altLang="en-US" sz="1200"/>
+            </a:p>
+            <a:p>
+              <a:r>
+                <a:rPr lang="zh-CN" altLang="en-US" sz="1200"/>
+                <a:t>&lt;/picture&gt;</a:t>
+              </a:r>
+              <a:endParaRPr lang="zh-CN" altLang="en-US" sz="1200"/>
+            </a:p>
+          </p:txBody>
+        </p:sp>
+      </p:grpSp>
     </p:spTree>
   </p:cSld>
   <p:clrMapOvr>
@@ -4887,7 +5025,12 @@
             <p:ph idx="1"/>
           </p:nvPr>
         </p:nvSpPr>
-        <p:spPr/>
+        <p:spPr>
+          <a:xfrm>
+            <a:off x="335280" y="1825625"/>
+            <a:ext cx="11481435" cy="3526790"/>
+          </a:xfrm>
+        </p:spPr>
         <p:txBody>
           <a:bodyPr/>
           <a:lstStyle/>
@@ -4921,7 +5064,7 @@
             </a:pPr>
             <a:r>
               <a:rPr lang="en-US" altLang="zh-CN" dirty="0"/>
-              <a:t>	      </a:t>
+              <a:t>	    </a:t>
             </a:r>
             <a:r>
               <a:rPr lang="zh-CN" altLang="en-US" dirty="0"/>
@@ -4942,6 +5085,36 @@
             <a:r>
               <a:rPr lang="en-US" altLang="zh-CN" dirty="0" err="1"/>
               <a:t>ba</a:t>
+            </a:r>
+            <a:endParaRPr lang="en-US" altLang="zh-CN" dirty="0" err="1"/>
+          </a:p>
+          <a:p>
+            <a:pPr marL="0" indent="0">
+              <a:buNone/>
+            </a:pPr>
+            <a:r>
+              <a:rPr lang="en-US" altLang="zh-CN" dirty="0" err="1"/>
+              <a:t>atob btoa</a:t>
+            </a:r>
+            <a:endParaRPr lang="en-US" altLang="zh-CN" dirty="0" err="1"/>
+          </a:p>
+          <a:p>
+            <a:pPr marL="0" indent="0">
+              <a:buNone/>
+            </a:pPr>
+            <a:r>
+              <a:rPr lang="en-US" altLang="zh-CN" sz="1200" dirty="0" err="1"/>
+              <a:t> &lt;a href="&amp;#106;&amp;#97;&amp;#118;&amp;#97;&amp;#115;&amp;#99;&amp;#114;&amp;#105;&amp;#112;&amp;#116;&amp;#58;&amp;#97;&amp;#108;&amp;#101;&amp;#114;&amp;#116;&amp;#40;&amp;#39;&amp;#88;&amp;#83;&amp;#83;&amp;#39;&amp;#41;"&gt;dada&lt;/a&gt;</a:t>
+            </a:r>
+            <a:endParaRPr lang="en-US" altLang="zh-CN" sz="1200" dirty="0" err="1"/>
+          </a:p>
+          <a:p>
+            <a:pPr marL="0" indent="0">
+              <a:buNone/>
+            </a:pPr>
+            <a:r>
+              <a:rPr lang="en-US" altLang="zh-CN" dirty="0" err="1"/>
+              <a:t>escape vs encodeURL vs encodeURLComponent</a:t>
             </a:r>
             <a:endParaRPr lang="zh-CN" altLang="en-US" dirty="0"/>
           </a:p>
@@ -4961,7 +5134,7 @@
         </p:nvSpPr>
         <p:spPr>
           <a:xfrm>
-            <a:off x="838200" y="6148388"/>
+            <a:off x="335280" y="6155373"/>
             <a:ext cx="9915525" cy="369332"/>
           </a:xfrm>
           <a:prstGeom prst="rect">
@@ -5289,7 +5462,7 @@
         <p:spPr>
           <a:xfrm>
             <a:off x="304800" y="2152650"/>
-            <a:ext cx="5260340" cy="2553335"/>
+            <a:ext cx="5260340" cy="3046095"/>
           </a:xfrm>
           <a:prstGeom prst="rect">
             <a:avLst/>
@@ -5306,6 +5479,9 @@
               <a:rPr lang="en-US" altLang="zh-CN" sz="3200" dirty="0" err="1"/>
               <a:t>String.prototype.repeat</a:t>
             </a:r>
+            <a:endParaRPr lang="en-US" altLang="zh-CN" sz="3200" dirty="0" err="1"/>
+          </a:p>
+          <a:p>
             <a:endParaRPr lang="en-US" altLang="zh-CN" sz="3200" dirty="0"/>
           </a:p>
           <a:p>

--- a/前端性能.pptx
+++ b/前端性能.pptx
@@ -4656,7 +4656,7 @@
         <p:spPr>
           <a:xfrm>
             <a:off x="747712" y="5149175"/>
-            <a:ext cx="10696575" cy="1477328"/>
+            <a:ext cx="10696575" cy="1198880"/>
           </a:xfrm>
           <a:prstGeom prst="rect">
             <a:avLst/>
@@ -4677,18 +4677,21 @@
             <a:endParaRPr lang="en-US" altLang="zh-CN" dirty="0"/>
           </a:p>
           <a:p>
+            <a:pPr algn="l">
+              <a:buClrTx/>
+              <a:buSzTx/>
+              <a:buFontTx/>
+            </a:pPr>
+            <a:r>
+              <a:rPr lang="en-US" altLang="zh-CN" dirty="0"/>
+              <a:t>https://web.dev/replace-gifs-with-videos</a:t>
+            </a:r>
+            <a:endParaRPr lang="en-US" altLang="zh-CN" dirty="0"/>
+          </a:p>
+          <a:p>
             <a:r>
               <a:rPr lang="en-US" altLang="zh-CN" dirty="0">
                 <a:hlinkClick r:id="rId3"/>
-              </a:rPr>
-              <a:t>https://developers.google.com/web/fundamentals/performance/optimizing-content-efficiency/replace-animated-gifs-with-video</a:t>
-            </a:r>
-            <a:endParaRPr lang="en-US" altLang="zh-CN" dirty="0"/>
-          </a:p>
-          <a:p>
-            <a:r>
-              <a:rPr lang="en-US" altLang="zh-CN" dirty="0">
-                <a:hlinkClick r:id="rId4"/>
               </a:rPr>
               <a:t>https://medium.com/@jmperezperez/how-medium-does-progressive-image-loading-fd1e4dc1ee3d</a:t>
             </a:r>

--- a/前端性能.pptx
+++ b/前端性能.pptx
@@ -3183,8 +3183,8 @@
         </p:nvSpPr>
         <p:spPr>
           <a:xfrm>
-            <a:off x="838200" y="190249"/>
-            <a:ext cx="9505950" cy="3341236"/>
+            <a:off x="281305" y="130175"/>
+            <a:ext cx="11517630" cy="3707765"/>
           </a:xfrm>
           <a:prstGeom prst="rect">
             <a:avLst/>
@@ -3196,6 +3196,26 @@
             <a:spAutoFit/>
           </a:bodyPr>
           <a:lstStyle/>
+          <a:p>
+            <a:pPr marL="285750" indent="-285750">
+              <a:lnSpc>
+                <a:spcPts val="3000"/>
+              </a:lnSpc>
+              <a:spcBef>
+                <a:spcPts val="0"/>
+              </a:spcBef>
+              <a:spcAft>
+                <a:spcPts val="0"/>
+              </a:spcAft>
+              <a:buFont typeface="Wingdings" panose="05000000000000000000" pitchFamily="2" charset="2"/>
+              <a:buChar char="Ø"/>
+            </a:pPr>
+            <a:r>
+              <a:rPr lang="zh-CN" altLang="en-US" dirty="0"/>
+              <a:t>懒加载 &lt;link rel="stylesheet" href="/path/to/my.css" media="print" onload="this.media='all'"&gt;</a:t>
+            </a:r>
+            <a:endParaRPr lang="zh-CN" altLang="en-US" dirty="0"/>
+          </a:p>
           <a:p>
             <a:pPr marL="285750" indent="-285750">
               <a:lnSpc>
@@ -3205,10 +3225,10 @@
               <a:buChar char="Ø"/>
             </a:pPr>
             <a:r>
-              <a:rPr lang="zh-CN" altLang="en-US" sz="2000" dirty="0"/>
+              <a:rPr lang="zh-CN" altLang="en-US" dirty="0"/>
               <a:t>避免使用通配符</a:t>
             </a:r>
-            <a:endParaRPr lang="en-US" altLang="zh-CN" sz="2000" dirty="0"/>
+            <a:endParaRPr lang="en-US" altLang="zh-CN" dirty="0"/>
           </a:p>
           <a:p>
             <a:pPr marL="285750" indent="-285750">
@@ -3219,10 +3239,46 @@
               <a:buChar char="Ø"/>
             </a:pPr>
             <a:r>
-              <a:rPr lang="zh-CN" altLang="en-US" sz="2000" dirty="0"/>
+              <a:rPr lang="zh-CN" altLang="en-US" dirty="0"/>
               <a:t>降低选择器的复杂性 </a:t>
             </a:r>
-            <a:endParaRPr lang="en-US" altLang="zh-CN" sz="2000" dirty="0"/>
+            <a:endParaRPr lang="en-US" altLang="zh-CN" dirty="0"/>
+          </a:p>
+          <a:p>
+            <a:pPr marL="285750" indent="-285750">
+              <a:lnSpc>
+                <a:spcPts val="2800"/>
+              </a:lnSpc>
+              <a:spcBef>
+                <a:spcPts val="0"/>
+              </a:spcBef>
+              <a:spcAft>
+                <a:spcPts val="0"/>
+              </a:spcAft>
+              <a:buFont typeface="Wingdings" panose="05000000000000000000" pitchFamily="2" charset="2"/>
+              <a:buChar char="Ø"/>
+            </a:pPr>
+            <a:r>
+              <a:rPr lang="zh-CN" altLang="en-US" dirty="0"/>
+              <a:t>避免使用标签</a:t>
+            </a:r>
+            <a:r>
+              <a:rPr lang="en-US" altLang="zh-CN" dirty="0"/>
+              <a:t>—</a:t>
+            </a:r>
+            <a:r>
+              <a:rPr lang="zh-CN" altLang="en-US" dirty="0"/>
+              <a:t>子选择器  从右向左筛选 </a:t>
+            </a:r>
+            <a:r>
+              <a:rPr lang="zh-CN" altLang="en-US" b="1" dirty="0"/>
+              <a:t> </a:t>
+            </a:r>
+            <a:r>
+              <a:rPr lang="pl-PL" altLang="zh-CN" b="1" dirty="0"/>
+              <a:t>html body ul li a { }</a:t>
+            </a:r>
+            <a:endParaRPr lang="en-US" altLang="zh-CN" b="1" dirty="0"/>
           </a:p>
           <a:p>
             <a:pPr marL="285750" indent="-285750">
@@ -3233,26 +3289,10 @@
               <a:buChar char="Ø"/>
             </a:pPr>
             <a:r>
-              <a:rPr lang="zh-CN" altLang="en-US" sz="2000" dirty="0"/>
-              <a:t>避免使用标签</a:t>
-            </a:r>
-            <a:r>
-              <a:rPr lang="en-US" altLang="zh-CN" sz="2000" dirty="0"/>
-              <a:t>—</a:t>
-            </a:r>
-            <a:r>
-              <a:rPr lang="zh-CN" altLang="en-US" sz="2000" dirty="0"/>
-              <a:t>子选择器  从右向左筛选 </a:t>
-            </a:r>
-            <a:r>
-              <a:rPr lang="zh-CN" altLang="en-US" sz="2000" b="1" dirty="0"/>
-              <a:t> </a:t>
-            </a:r>
-            <a:r>
-              <a:rPr lang="pl-PL" altLang="zh-CN" sz="2000" b="1" dirty="0"/>
-              <a:t>html body ul li a { }</a:t>
-            </a:r>
-            <a:endParaRPr lang="en-US" altLang="zh-CN" sz="2000" b="1" dirty="0"/>
+              <a:rPr lang="zh-CN" altLang="en-US" dirty="0"/>
+              <a:t>依靠继承</a:t>
+            </a:r>
+            <a:endParaRPr lang="en-US" altLang="zh-CN" dirty="0"/>
           </a:p>
           <a:p>
             <a:pPr marL="285750" indent="-285750">
@@ -3263,10 +3303,22 @@
               <a:buChar char="Ø"/>
             </a:pPr>
             <a:r>
-              <a:rPr lang="zh-CN" altLang="en-US" sz="2000" dirty="0"/>
-              <a:t>依靠继承</a:t>
-            </a:r>
-            <a:endParaRPr lang="en-US" altLang="zh-CN" sz="2000" dirty="0"/>
+              <a:rPr lang="zh-CN" altLang="en-US" dirty="0"/>
+              <a:t>有点属性比较“贵” </a:t>
+            </a:r>
+            <a:r>
+              <a:rPr lang="en-US" altLang="zh-CN" dirty="0"/>
+              <a:t>border-radius &amp;</a:t>
+            </a:r>
+            <a:r>
+              <a:rPr lang="zh-CN" altLang="en-US" dirty="0"/>
+              <a:t> </a:t>
+            </a:r>
+            <a:r>
+              <a:rPr lang="en-US" altLang="zh-CN" dirty="0"/>
+              <a:t>box-shadow &amp; filter</a:t>
+            </a:r>
+            <a:endParaRPr lang="en-US" altLang="zh-CN" dirty="0"/>
           </a:p>
           <a:p>
             <a:pPr marL="285750" indent="-285750">
@@ -3277,22 +3329,22 @@
               <a:buChar char="Ø"/>
             </a:pPr>
             <a:r>
-              <a:rPr lang="zh-CN" altLang="en-US" sz="2000" dirty="0"/>
-              <a:t>有点属性比较“贵” </a:t>
-            </a:r>
-            <a:r>
-              <a:rPr lang="en-US" altLang="zh-CN" sz="2000" dirty="0"/>
-              <a:t>border-radius &amp;</a:t>
-            </a:r>
-            <a:r>
-              <a:rPr lang="zh-CN" altLang="en-US" sz="2000" dirty="0"/>
-              <a:t> </a:t>
-            </a:r>
-            <a:r>
-              <a:rPr lang="en-US" altLang="zh-CN" sz="2000" dirty="0"/>
-              <a:t>box-shadow &amp; filter</a:t>
-            </a:r>
-            <a:endParaRPr lang="en-US" altLang="zh-CN" sz="2000" dirty="0"/>
+              <a:rPr lang="zh-CN" altLang="en-US" dirty="0"/>
+              <a:t>使用</a:t>
+            </a:r>
+            <a:r>
+              <a:rPr lang="en-US" altLang="zh-CN" dirty="0"/>
+              <a:t>flex</a:t>
+            </a:r>
+            <a:r>
+              <a:rPr lang="zh-CN" altLang="en-US" dirty="0"/>
+              <a:t>和</a:t>
+            </a:r>
+            <a:r>
+              <a:rPr lang="en-US" altLang="zh-CN" dirty="0"/>
+              <a:t>grid</a:t>
+            </a:r>
+            <a:endParaRPr lang="en-US" altLang="zh-CN" dirty="0"/>
           </a:p>
           <a:p>
             <a:pPr marL="285750" indent="-285750">
@@ -3303,22 +3355,10 @@
               <a:buChar char="Ø"/>
             </a:pPr>
             <a:r>
-              <a:rPr lang="zh-CN" altLang="en-US" sz="2000" dirty="0"/>
-              <a:t>使用</a:t>
-            </a:r>
-            <a:r>
-              <a:rPr lang="en-US" altLang="zh-CN" sz="2000" dirty="0"/>
-              <a:t>flex</a:t>
-            </a:r>
-            <a:r>
-              <a:rPr lang="zh-CN" altLang="en-US" sz="2000" dirty="0"/>
-              <a:t>和</a:t>
-            </a:r>
-            <a:r>
-              <a:rPr lang="en-US" altLang="zh-CN" sz="2000" dirty="0"/>
-              <a:t>grid</a:t>
-            </a:r>
-            <a:endParaRPr lang="en-US" altLang="zh-CN" sz="2000" dirty="0"/>
+              <a:rPr lang="zh-CN" altLang="en-US" dirty="0"/>
+              <a:t>避免大型、复杂的布局和布局抖动</a:t>
+            </a:r>
+            <a:endParaRPr lang="zh-CN" altLang="en-US" dirty="0"/>
           </a:p>
           <a:p>
             <a:pPr marL="285750" indent="-285750">
@@ -3329,28 +3369,14 @@
               <a:buChar char="Ø"/>
             </a:pPr>
             <a:r>
-              <a:rPr lang="zh-CN" altLang="en-US" sz="2000" dirty="0"/>
-              <a:t>避免大型、复杂的布局和布局抖动</a:t>
-            </a:r>
-            <a:endParaRPr lang="zh-CN" altLang="en-US" sz="2000" dirty="0"/>
-          </a:p>
-          <a:p>
-            <a:pPr marL="285750" indent="-285750">
-              <a:lnSpc>
-                <a:spcPts val="3200"/>
-              </a:lnSpc>
-              <a:buFont typeface="Wingdings" panose="05000000000000000000" pitchFamily="2" charset="2"/>
-              <a:buChar char="Ø"/>
-            </a:pPr>
-            <a:r>
-              <a:rPr lang="zh-CN" altLang="en-US" sz="2000" dirty="0"/>
+              <a:rPr lang="zh-CN" altLang="en-US" dirty="0"/>
               <a:t>使用</a:t>
             </a:r>
             <a:r>
-              <a:rPr lang="en-US" altLang="zh-CN" sz="2000" dirty="0"/>
+              <a:rPr lang="en-US" altLang="zh-CN" dirty="0"/>
               <a:t>BEM</a:t>
             </a:r>
-            <a:endParaRPr lang="zh-CN" altLang="en-US" sz="2000" dirty="0"/>
+            <a:endParaRPr lang="zh-CN" altLang="en-US" dirty="0"/>
           </a:p>
         </p:txBody>
       </p:sp>
